--- a/week04/Lecture04.pptx
+++ b/week04/Lecture04.pptx
@@ -219,7 +219,7 @@
           <a:p>
             <a:fld id="{634F3F22-B4BB-3F48-9180-464A9F2D66D1}" type="datetimeFigureOut">
               <a:rPr kumimoji="1" lang="zh-CN" altLang="en-US" smtClean="0"/>
-              <a:t>2021/9/25</a:t>
+              <a:t>2021/9/27</a:t>
             </a:fld>
             <a:endParaRPr kumimoji="1" lang="zh-CN" altLang="en-US"/>
           </a:p>
@@ -486,6 +486,90 @@
 </p:notesMaster>
 </file>
 
+<file path=ppt/notesSlides/notesSlide1.xml><?xml version="1.0" encoding="utf-8"?>
+<p:notes xmlns:a="http://schemas.openxmlformats.org/drawingml/2006/main" xmlns:r="http://schemas.openxmlformats.org/officeDocument/2006/relationships" xmlns:p="http://schemas.openxmlformats.org/presentationml/2006/main">
+  <p:cSld>
+    <p:spTree>
+      <p:nvGrpSpPr>
+        <p:cNvPr id="1" name=""/>
+        <p:cNvGrpSpPr/>
+        <p:nvPr/>
+      </p:nvGrpSpPr>
+      <p:grpSpPr>
+        <a:xfrm>
+          <a:off x="0" y="0"/>
+          <a:ext cx="0" cy="0"/>
+          <a:chOff x="0" y="0"/>
+          <a:chExt cx="0" cy="0"/>
+        </a:xfrm>
+      </p:grpSpPr>
+      <p:sp>
+        <p:nvSpPr>
+          <p:cNvPr id="2" name="幻灯片图像占位符 1"/>
+          <p:cNvSpPr>
+            <a:spLocks noGrp="1" noRot="1" noChangeAspect="1"/>
+          </p:cNvSpPr>
+          <p:nvPr>
+            <p:ph type="sldImg"/>
+          </p:nvPr>
+        </p:nvSpPr>
+        <p:spPr/>
+      </p:sp>
+      <p:sp>
+        <p:nvSpPr>
+          <p:cNvPr id="3" name="备注占位符 2"/>
+          <p:cNvSpPr>
+            <a:spLocks noGrp="1"/>
+          </p:cNvSpPr>
+          <p:nvPr>
+            <p:ph type="body" idx="1"/>
+          </p:nvPr>
+        </p:nvSpPr>
+        <p:spPr/>
+        <p:txBody>
+          <a:bodyPr/>
+          <a:lstStyle/>
+          <a:p>
+            <a:endParaRPr kumimoji="1" lang="zh-CN" altLang="en-US" dirty="0"/>
+          </a:p>
+        </p:txBody>
+      </p:sp>
+      <p:sp>
+        <p:nvSpPr>
+          <p:cNvPr id="4" name="灯片编号占位符 3"/>
+          <p:cNvSpPr>
+            <a:spLocks noGrp="1"/>
+          </p:cNvSpPr>
+          <p:nvPr>
+            <p:ph type="sldNum" sz="quarter" idx="5"/>
+          </p:nvPr>
+        </p:nvSpPr>
+        <p:spPr/>
+        <p:txBody>
+          <a:bodyPr/>
+          <a:lstStyle/>
+          <a:p>
+            <a:fld id="{F39692CB-2397-CF44-9044-134362C69983}" type="slidenum">
+              <a:rPr kumimoji="1" lang="zh-CN" altLang="en-US" smtClean="0"/>
+              <a:t>1</a:t>
+            </a:fld>
+            <a:endParaRPr kumimoji="1" lang="zh-CN" altLang="en-US"/>
+          </a:p>
+        </p:txBody>
+      </p:sp>
+    </p:spTree>
+    <p:extLst>
+      <p:ext uri="{BB962C8B-B14F-4D97-AF65-F5344CB8AC3E}">
+        <p14:creationId xmlns:p14="http://schemas.microsoft.com/office/powerpoint/2010/main" val="1166510291"/>
+      </p:ext>
+    </p:extLst>
+  </p:cSld>
+  <p:clrMapOvr>
+    <a:masterClrMapping/>
+  </p:clrMapOvr>
+</p:notes>
+</file>
+
 <file path=ppt/slideLayouts/slideLayout1.xml><?xml version="1.0" encoding="utf-8"?>
 <p:sldLayout xmlns:a="http://schemas.openxmlformats.org/drawingml/2006/main" xmlns:r="http://schemas.openxmlformats.org/officeDocument/2006/relationships" xmlns:p="http://schemas.openxmlformats.org/presentationml/2006/main" type="title" preserve="1">
   <p:cSld name="标题幻灯片">
@@ -615,7 +699,7 @@
           <a:p>
             <a:fld id="{FC19A4FA-3D9A-4114-B0D5-759CBD56F1AB}" type="datetimeFigureOut">
               <a:rPr lang="zh-CN" altLang="en-US" smtClean="0"/>
-              <a:t>2021/9/25</a:t>
+              <a:t>2021/9/27</a:t>
             </a:fld>
             <a:endParaRPr lang="zh-CN" altLang="en-US"/>
           </a:p>
@@ -818,7 +902,7 @@
           <a:p>
             <a:fld id="{FC19A4FA-3D9A-4114-B0D5-759CBD56F1AB}" type="datetimeFigureOut">
               <a:rPr lang="zh-CN" altLang="en-US" smtClean="0"/>
-              <a:t>2021/9/25</a:t>
+              <a:t>2021/9/27</a:t>
             </a:fld>
             <a:endParaRPr lang="zh-CN" altLang="en-US"/>
           </a:p>
@@ -996,7 +1080,7 @@
           <a:p>
             <a:fld id="{FC19A4FA-3D9A-4114-B0D5-759CBD56F1AB}" type="datetimeFigureOut">
               <a:rPr lang="zh-CN" altLang="en-US" smtClean="0"/>
-              <a:t>2021/9/25</a:t>
+              <a:t>2021/9/27</a:t>
             </a:fld>
             <a:endParaRPr lang="zh-CN" altLang="en-US"/>
           </a:p>
@@ -1220,7 +1304,7 @@
           <a:p>
             <a:fld id="{FC19A4FA-3D9A-4114-B0D5-759CBD56F1AB}" type="datetimeFigureOut">
               <a:rPr lang="zh-CN" altLang="en-US" smtClean="0"/>
-              <a:t>2021/9/25</a:t>
+              <a:t>2021/9/27</a:t>
             </a:fld>
             <a:endParaRPr lang="zh-CN" altLang="en-US"/>
           </a:p>
@@ -1454,7 +1538,7 @@
           <a:p>
             <a:fld id="{FC19A4FA-3D9A-4114-B0D5-759CBD56F1AB}" type="datetimeFigureOut">
               <a:rPr lang="zh-CN" altLang="en-US" smtClean="0"/>
-              <a:t>2021/9/25</a:t>
+              <a:t>2021/9/27</a:t>
             </a:fld>
             <a:endParaRPr lang="zh-CN" altLang="en-US"/>
           </a:p>
@@ -1853,7 +1937,7 @@
           <a:p>
             <a:fld id="{FC19A4FA-3D9A-4114-B0D5-759CBD56F1AB}" type="datetimeFigureOut">
               <a:rPr lang="zh-CN" altLang="en-US" smtClean="0"/>
-              <a:t>2021/9/25</a:t>
+              <a:t>2021/9/27</a:t>
             </a:fld>
             <a:endParaRPr lang="zh-CN" altLang="en-US"/>
           </a:p>
@@ -2133,7 +2217,7 @@
           <a:p>
             <a:fld id="{FC19A4FA-3D9A-4114-B0D5-759CBD56F1AB}" type="datetimeFigureOut">
               <a:rPr lang="zh-CN" altLang="en-US" smtClean="0"/>
-              <a:t>2021/9/25</a:t>
+              <a:t>2021/9/27</a:t>
             </a:fld>
             <a:endParaRPr lang="zh-CN" altLang="en-US"/>
           </a:p>
@@ -2285,7 +2369,7 @@
           <a:p>
             <a:fld id="{FC19A4FA-3D9A-4114-B0D5-759CBD56F1AB}" type="datetimeFigureOut">
               <a:rPr lang="zh-CN" altLang="en-US" smtClean="0"/>
-              <a:t>2021/9/25</a:t>
+              <a:t>2021/9/27</a:t>
             </a:fld>
             <a:endParaRPr lang="zh-CN" altLang="en-US"/>
           </a:p>
@@ -2415,7 +2499,7 @@
           <a:p>
             <a:fld id="{FC19A4FA-3D9A-4114-B0D5-759CBD56F1AB}" type="datetimeFigureOut">
               <a:rPr lang="zh-CN" altLang="en-US" smtClean="0"/>
-              <a:t>2021/9/25</a:t>
+              <a:t>2021/9/27</a:t>
             </a:fld>
             <a:endParaRPr lang="zh-CN" altLang="en-US"/>
           </a:p>
@@ -2725,7 +2809,7 @@
           <a:p>
             <a:fld id="{FC19A4FA-3D9A-4114-B0D5-759CBD56F1AB}" type="datetimeFigureOut">
               <a:rPr lang="zh-CN" altLang="en-US" smtClean="0"/>
-              <a:t>2021/9/25</a:t>
+              <a:t>2021/9/27</a:t>
             </a:fld>
             <a:endParaRPr lang="zh-CN" altLang="en-US"/>
           </a:p>
@@ -3012,7 +3096,7 @@
           <a:p>
             <a:fld id="{FC19A4FA-3D9A-4114-B0D5-759CBD56F1AB}" type="datetimeFigureOut">
               <a:rPr lang="zh-CN" altLang="en-US" smtClean="0"/>
-              <a:t>2021/9/25</a:t>
+              <a:t>2021/9/27</a:t>
             </a:fld>
             <a:endParaRPr lang="zh-CN" altLang="en-US"/>
           </a:p>
@@ -3305,7 +3389,7 @@
           <a:p>
             <a:fld id="{FC19A4FA-3D9A-4114-B0D5-759CBD56F1AB}" type="datetimeFigureOut">
               <a:rPr lang="zh-CN" altLang="en-US" smtClean="0"/>
-              <a:t>2021/9/25</a:t>
+              <a:t>2021/9/27</a:t>
             </a:fld>
             <a:endParaRPr lang="zh-CN" altLang="en-US"/>
           </a:p>
@@ -7092,6 +7176,219 @@
             </a:endParaRPr>
           </a:p>
           <a:p>
+            <a:pPr lvl="1"/>
+            <a:r>
+              <a:rPr kumimoji="1" lang="en" altLang="zh-CN" dirty="0"/>
+              <a:t>Safer one:</a:t>
+            </a:r>
+          </a:p>
+          <a:p>
+            <a:pPr marL="457200" lvl="1" indent="0">
+              <a:buNone/>
+            </a:pPr>
+            <a:r>
+              <a:rPr lang="en" altLang="zh-CN" dirty="0">
+                <a:solidFill>
+                  <a:srgbClr val="0000FF"/>
+                </a:solidFill>
+                <a:latin typeface="Courier" pitchFamily="2" charset="0"/>
+              </a:rPr>
+              <a:t>	</a:t>
+            </a:r>
+            <a:r>
+              <a:rPr lang="en" altLang="zh-CN" sz="2000" dirty="0">
+                <a:solidFill>
+                  <a:srgbClr val="0000FF"/>
+                </a:solidFill>
+                <a:latin typeface="Courier" pitchFamily="2" charset="0"/>
+              </a:rPr>
+              <a:t>char</a:t>
+            </a:r>
+            <a:r>
+              <a:rPr lang="en" altLang="zh-CN" sz="2000" dirty="0">
+                <a:solidFill>
+                  <a:srgbClr val="000000"/>
+                </a:solidFill>
+                <a:latin typeface="Courier" pitchFamily="2" charset="0"/>
+              </a:rPr>
+              <a:t> </a:t>
+            </a:r>
+            <a:r>
+              <a:rPr lang="en" altLang="zh-CN" sz="2000" dirty="0">
+                <a:solidFill>
+                  <a:srgbClr val="000040"/>
+                </a:solidFill>
+                <a:latin typeface="Courier" pitchFamily="2" charset="0"/>
+              </a:rPr>
+              <a:t>*</a:t>
+            </a:r>
+            <a:r>
+              <a:rPr lang="en" altLang="zh-CN" sz="2000" dirty="0" err="1">
+                <a:solidFill>
+                  <a:srgbClr val="000000"/>
+                </a:solidFill>
+                <a:latin typeface="Courier" pitchFamily="2" charset="0"/>
+              </a:rPr>
+              <a:t>strncpy</a:t>
+            </a:r>
+            <a:r>
+              <a:rPr lang="en" altLang="zh-CN" sz="2000" dirty="0">
+                <a:solidFill>
+                  <a:srgbClr val="008000"/>
+                </a:solidFill>
+                <a:latin typeface="Courier" pitchFamily="2" charset="0"/>
+              </a:rPr>
+              <a:t>(</a:t>
+            </a:r>
+            <a:r>
+              <a:rPr lang="en" altLang="zh-CN" sz="2000" dirty="0">
+                <a:solidFill>
+                  <a:srgbClr val="0000FF"/>
+                </a:solidFill>
+                <a:latin typeface="Courier" pitchFamily="2" charset="0"/>
+              </a:rPr>
+              <a:t>char</a:t>
+            </a:r>
+            <a:r>
+              <a:rPr lang="en" altLang="zh-CN" sz="2000" dirty="0">
+                <a:solidFill>
+                  <a:srgbClr val="000000"/>
+                </a:solidFill>
+                <a:latin typeface="Courier" pitchFamily="2" charset="0"/>
+              </a:rPr>
+              <a:t> </a:t>
+            </a:r>
+            <a:r>
+              <a:rPr lang="en" altLang="zh-CN" sz="2000" dirty="0">
+                <a:solidFill>
+                  <a:srgbClr val="000040"/>
+                </a:solidFill>
+                <a:latin typeface="Courier" pitchFamily="2" charset="0"/>
+              </a:rPr>
+              <a:t>*</a:t>
+            </a:r>
+            <a:r>
+              <a:rPr lang="en" altLang="zh-CN" sz="2000" dirty="0" err="1">
+                <a:solidFill>
+                  <a:srgbClr val="000000"/>
+                </a:solidFill>
+                <a:latin typeface="Courier" pitchFamily="2" charset="0"/>
+              </a:rPr>
+              <a:t>dest</a:t>
+            </a:r>
+            <a:r>
+              <a:rPr lang="en" altLang="zh-CN" sz="2000" dirty="0">
+                <a:solidFill>
+                  <a:srgbClr val="000000"/>
+                </a:solidFill>
+                <a:latin typeface="Courier" pitchFamily="2" charset="0"/>
+              </a:rPr>
+              <a:t>, </a:t>
+            </a:r>
+            <a:r>
+              <a:rPr lang="en" altLang="zh-CN" sz="2000" dirty="0">
+                <a:solidFill>
+                  <a:srgbClr val="0000FF"/>
+                </a:solidFill>
+                <a:latin typeface="Courier" pitchFamily="2" charset="0"/>
+              </a:rPr>
+              <a:t>const</a:t>
+            </a:r>
+            <a:r>
+              <a:rPr lang="en" altLang="zh-CN" sz="2000" dirty="0">
+                <a:solidFill>
+                  <a:srgbClr val="000000"/>
+                </a:solidFill>
+                <a:latin typeface="Courier" pitchFamily="2" charset="0"/>
+              </a:rPr>
+              <a:t> </a:t>
+            </a:r>
+            <a:r>
+              <a:rPr lang="en" altLang="zh-CN" sz="2000" dirty="0">
+                <a:solidFill>
+                  <a:srgbClr val="0000FF"/>
+                </a:solidFill>
+                <a:latin typeface="Courier" pitchFamily="2" charset="0"/>
+              </a:rPr>
+              <a:t>char</a:t>
+            </a:r>
+            <a:r>
+              <a:rPr lang="en" altLang="zh-CN" sz="2000" dirty="0">
+                <a:solidFill>
+                  <a:srgbClr val="000000"/>
+                </a:solidFill>
+                <a:latin typeface="Courier" pitchFamily="2" charset="0"/>
+              </a:rPr>
+              <a:t> </a:t>
+            </a:r>
+            <a:r>
+              <a:rPr lang="en" altLang="zh-CN" sz="2000" dirty="0">
+                <a:solidFill>
+                  <a:srgbClr val="000040"/>
+                </a:solidFill>
+                <a:latin typeface="Courier" pitchFamily="2" charset="0"/>
+              </a:rPr>
+              <a:t>*</a:t>
+            </a:r>
+            <a:r>
+              <a:rPr lang="en" altLang="zh-CN" sz="2000" dirty="0" err="1">
+                <a:solidFill>
+                  <a:srgbClr val="000000"/>
+                </a:solidFill>
+                <a:latin typeface="Courier" pitchFamily="2" charset="0"/>
+              </a:rPr>
+              <a:t>src</a:t>
+            </a:r>
+            <a:r>
+              <a:rPr lang="en" altLang="zh-CN" sz="2000" dirty="0">
+                <a:solidFill>
+                  <a:srgbClr val="000000"/>
+                </a:solidFill>
+                <a:latin typeface="Courier" pitchFamily="2" charset="0"/>
+              </a:rPr>
+              <a:t>, </a:t>
+            </a:r>
+            <a:r>
+              <a:rPr lang="en" altLang="zh-CN" sz="2000" dirty="0" err="1">
+                <a:solidFill>
+                  <a:srgbClr val="003080"/>
+                </a:solidFill>
+                <a:latin typeface="Courier" pitchFamily="2" charset="0"/>
+              </a:rPr>
+              <a:t>size_t</a:t>
+            </a:r>
+            <a:r>
+              <a:rPr lang="en" altLang="zh-CN" sz="2000" dirty="0">
+                <a:solidFill>
+                  <a:srgbClr val="000000"/>
+                </a:solidFill>
+                <a:latin typeface="Courier" pitchFamily="2" charset="0"/>
+              </a:rPr>
+              <a:t> count</a:t>
+            </a:r>
+            <a:r>
+              <a:rPr lang="en" altLang="zh-CN" sz="2000" dirty="0">
+                <a:solidFill>
+                  <a:srgbClr val="008000"/>
+                </a:solidFill>
+                <a:latin typeface="Courier" pitchFamily="2" charset="0"/>
+              </a:rPr>
+              <a:t>)</a:t>
+            </a:r>
+            <a:r>
+              <a:rPr lang="en" altLang="zh-CN" sz="2000" dirty="0">
+                <a:solidFill>
+                  <a:srgbClr val="008080"/>
+                </a:solidFill>
+                <a:latin typeface="Courier" pitchFamily="2" charset="0"/>
+              </a:rPr>
+              <a:t>;</a:t>
+            </a:r>
+            <a:endParaRPr kumimoji="1" lang="en" altLang="zh-CN" dirty="0">
+              <a:latin typeface="Courier" pitchFamily="2" charset="0"/>
+            </a:endParaRPr>
+          </a:p>
+          <a:p>
             <a:r>
               <a:rPr kumimoji="1" lang="en" altLang="zh-CN" dirty="0"/>
               <a:t>Concatenate: appends a copy of </a:t>
@@ -7296,219 +7593,6 @@
             </a:r>
             <a:r>
               <a:rPr lang="en" altLang="zh-CN" sz="2400" dirty="0">
-                <a:solidFill>
-                  <a:srgbClr val="008080"/>
-                </a:solidFill>
-                <a:latin typeface="Courier" pitchFamily="2" charset="0"/>
-              </a:rPr>
-              <a:t>;</a:t>
-            </a:r>
-            <a:endParaRPr kumimoji="1" lang="en" altLang="zh-CN" dirty="0">
-              <a:latin typeface="Courier" pitchFamily="2" charset="0"/>
-            </a:endParaRPr>
-          </a:p>
-          <a:p>
-            <a:pPr lvl="1"/>
-            <a:r>
-              <a:rPr kumimoji="1" lang="en" altLang="zh-CN" dirty="0"/>
-              <a:t>Safer one:</a:t>
-            </a:r>
-          </a:p>
-          <a:p>
-            <a:pPr marL="457200" lvl="1" indent="0">
-              <a:buNone/>
-            </a:pPr>
-            <a:r>
-              <a:rPr lang="en" altLang="zh-CN" dirty="0">
-                <a:solidFill>
-                  <a:srgbClr val="0000FF"/>
-                </a:solidFill>
-                <a:latin typeface="Courier" pitchFamily="2" charset="0"/>
-              </a:rPr>
-              <a:t>	</a:t>
-            </a:r>
-            <a:r>
-              <a:rPr lang="en" altLang="zh-CN" sz="2000" dirty="0">
-                <a:solidFill>
-                  <a:srgbClr val="0000FF"/>
-                </a:solidFill>
-                <a:latin typeface="Courier" pitchFamily="2" charset="0"/>
-              </a:rPr>
-              <a:t>char</a:t>
-            </a:r>
-            <a:r>
-              <a:rPr lang="en" altLang="zh-CN" sz="2000" dirty="0">
-                <a:solidFill>
-                  <a:srgbClr val="000000"/>
-                </a:solidFill>
-                <a:latin typeface="Courier" pitchFamily="2" charset="0"/>
-              </a:rPr>
-              <a:t> </a:t>
-            </a:r>
-            <a:r>
-              <a:rPr lang="en" altLang="zh-CN" sz="2000" dirty="0">
-                <a:solidFill>
-                  <a:srgbClr val="000040"/>
-                </a:solidFill>
-                <a:latin typeface="Courier" pitchFamily="2" charset="0"/>
-              </a:rPr>
-              <a:t>*</a:t>
-            </a:r>
-            <a:r>
-              <a:rPr lang="en" altLang="zh-CN" sz="2000" dirty="0" err="1">
-                <a:solidFill>
-                  <a:srgbClr val="000000"/>
-                </a:solidFill>
-                <a:latin typeface="Courier" pitchFamily="2" charset="0"/>
-              </a:rPr>
-              <a:t>strncpy</a:t>
-            </a:r>
-            <a:r>
-              <a:rPr lang="en" altLang="zh-CN" sz="2000" dirty="0">
-                <a:solidFill>
-                  <a:srgbClr val="008000"/>
-                </a:solidFill>
-                <a:latin typeface="Courier" pitchFamily="2" charset="0"/>
-              </a:rPr>
-              <a:t>(</a:t>
-            </a:r>
-            <a:r>
-              <a:rPr lang="en" altLang="zh-CN" sz="2000" dirty="0">
-                <a:solidFill>
-                  <a:srgbClr val="0000FF"/>
-                </a:solidFill>
-                <a:latin typeface="Courier" pitchFamily="2" charset="0"/>
-              </a:rPr>
-              <a:t>char</a:t>
-            </a:r>
-            <a:r>
-              <a:rPr lang="en" altLang="zh-CN" sz="2000" dirty="0">
-                <a:solidFill>
-                  <a:srgbClr val="000000"/>
-                </a:solidFill>
-                <a:latin typeface="Courier" pitchFamily="2" charset="0"/>
-              </a:rPr>
-              <a:t> </a:t>
-            </a:r>
-            <a:r>
-              <a:rPr lang="en" altLang="zh-CN" sz="2000" dirty="0">
-                <a:solidFill>
-                  <a:srgbClr val="000040"/>
-                </a:solidFill>
-                <a:latin typeface="Courier" pitchFamily="2" charset="0"/>
-              </a:rPr>
-              <a:t>*</a:t>
-            </a:r>
-            <a:r>
-              <a:rPr lang="en" altLang="zh-CN" sz="2000" dirty="0" err="1">
-                <a:solidFill>
-                  <a:srgbClr val="000000"/>
-                </a:solidFill>
-                <a:latin typeface="Courier" pitchFamily="2" charset="0"/>
-              </a:rPr>
-              <a:t>dest</a:t>
-            </a:r>
-            <a:r>
-              <a:rPr lang="en" altLang="zh-CN" sz="2000" dirty="0">
-                <a:solidFill>
-                  <a:srgbClr val="000000"/>
-                </a:solidFill>
-                <a:latin typeface="Courier" pitchFamily="2" charset="0"/>
-              </a:rPr>
-              <a:t>, </a:t>
-            </a:r>
-            <a:r>
-              <a:rPr lang="en" altLang="zh-CN" sz="2000" dirty="0">
-                <a:solidFill>
-                  <a:srgbClr val="0000FF"/>
-                </a:solidFill>
-                <a:latin typeface="Courier" pitchFamily="2" charset="0"/>
-              </a:rPr>
-              <a:t>const</a:t>
-            </a:r>
-            <a:r>
-              <a:rPr lang="en" altLang="zh-CN" sz="2000" dirty="0">
-                <a:solidFill>
-                  <a:srgbClr val="000000"/>
-                </a:solidFill>
-                <a:latin typeface="Courier" pitchFamily="2" charset="0"/>
-              </a:rPr>
-              <a:t> </a:t>
-            </a:r>
-            <a:r>
-              <a:rPr lang="en" altLang="zh-CN" sz="2000" dirty="0">
-                <a:solidFill>
-                  <a:srgbClr val="0000FF"/>
-                </a:solidFill>
-                <a:latin typeface="Courier" pitchFamily="2" charset="0"/>
-              </a:rPr>
-              <a:t>char</a:t>
-            </a:r>
-            <a:r>
-              <a:rPr lang="en" altLang="zh-CN" sz="2000" dirty="0">
-                <a:solidFill>
-                  <a:srgbClr val="000000"/>
-                </a:solidFill>
-                <a:latin typeface="Courier" pitchFamily="2" charset="0"/>
-              </a:rPr>
-              <a:t> </a:t>
-            </a:r>
-            <a:r>
-              <a:rPr lang="en" altLang="zh-CN" sz="2000" dirty="0">
-                <a:solidFill>
-                  <a:srgbClr val="000040"/>
-                </a:solidFill>
-                <a:latin typeface="Courier" pitchFamily="2" charset="0"/>
-              </a:rPr>
-              <a:t>*</a:t>
-            </a:r>
-            <a:r>
-              <a:rPr lang="en" altLang="zh-CN" sz="2000" dirty="0" err="1">
-                <a:solidFill>
-                  <a:srgbClr val="000000"/>
-                </a:solidFill>
-                <a:latin typeface="Courier" pitchFamily="2" charset="0"/>
-              </a:rPr>
-              <a:t>src</a:t>
-            </a:r>
-            <a:r>
-              <a:rPr lang="en" altLang="zh-CN" sz="2000" dirty="0">
-                <a:solidFill>
-                  <a:srgbClr val="000000"/>
-                </a:solidFill>
-                <a:latin typeface="Courier" pitchFamily="2" charset="0"/>
-              </a:rPr>
-              <a:t>, </a:t>
-            </a:r>
-            <a:r>
-              <a:rPr lang="en" altLang="zh-CN" sz="2000" dirty="0" err="1">
-                <a:solidFill>
-                  <a:srgbClr val="003080"/>
-                </a:solidFill>
-                <a:latin typeface="Courier" pitchFamily="2" charset="0"/>
-              </a:rPr>
-              <a:t>size_t</a:t>
-            </a:r>
-            <a:r>
-              <a:rPr lang="en" altLang="zh-CN" sz="2000" dirty="0">
-                <a:solidFill>
-                  <a:srgbClr val="000000"/>
-                </a:solidFill>
-                <a:latin typeface="Courier" pitchFamily="2" charset="0"/>
-              </a:rPr>
-              <a:t> count</a:t>
-            </a:r>
-            <a:r>
-              <a:rPr lang="en" altLang="zh-CN" sz="2000" dirty="0">
-                <a:solidFill>
-                  <a:srgbClr val="008000"/>
-                </a:solidFill>
-                <a:latin typeface="Courier" pitchFamily="2" charset="0"/>
-              </a:rPr>
-              <a:t>)</a:t>
-            </a:r>
-            <a:r>
-              <a:rPr lang="en" altLang="zh-CN" sz="2000" dirty="0">
                 <a:solidFill>
                   <a:srgbClr val="008080"/>
                 </a:solidFill>
@@ -7748,7 +7832,7 @@
         </p:nvSpPr>
         <p:spPr>
           <a:xfrm>
-            <a:off x="838199" y="5531005"/>
+            <a:off x="360816" y="5554345"/>
             <a:ext cx="2031325" cy="400110"/>
           </a:xfrm>
           <a:prstGeom prst="rect">
@@ -8800,7 +8884,7 @@
         <p:spPr>
           <a:xfrm>
             <a:off x="838199" y="3692386"/>
-            <a:ext cx="2031325" cy="400110"/>
+            <a:ext cx="2185214" cy="400110"/>
           </a:xfrm>
           <a:prstGeom prst="rect">
             <a:avLst/>
@@ -8825,7 +8909,7 @@
                 </a:highlight>
                 <a:latin typeface="Menlo" panose="020B0609030804020204" pitchFamily="49" charset="0"/>
               </a:rPr>
-              <a:t>stringop.cpp</a:t>
+              <a:t>stdstring.cpp</a:t>
             </a:r>
             <a:endParaRPr lang="zh-CN" altLang="en-US" sz="2000" dirty="0">
               <a:solidFill>
@@ -19549,6 +19633,1658 @@
           </a:p>
         </p:txBody>
       </p:sp>
+      <p:graphicFrame>
+        <p:nvGraphicFramePr>
+          <p:cNvPr id="6" name="表格 5">
+            <a:extLst>
+              <a:ext uri="{FF2B5EF4-FFF2-40B4-BE49-F238E27FC236}">
+                <a16:creationId xmlns:a16="http://schemas.microsoft.com/office/drawing/2014/main" id="{5A226F31-1626-1247-8E3E-3609278C9BA6}"/>
+              </a:ext>
+            </a:extLst>
+          </p:cNvPr>
+          <p:cNvGraphicFramePr>
+            <a:graphicFrameLocks noGrp="1"/>
+          </p:cNvGraphicFramePr>
+          <p:nvPr>
+            <p:extLst>
+              <p:ext uri="{D42A27DB-BD31-4B8C-83A1-F6EECF244321}">
+                <p14:modId xmlns:p14="http://schemas.microsoft.com/office/powerpoint/2010/main" val="3006837273"/>
+              </p:ext>
+            </p:extLst>
+          </p:nvPr>
+        </p:nvGraphicFramePr>
+        <p:xfrm>
+          <a:off x="2775245" y="4389120"/>
+          <a:ext cx="3808435" cy="2468880"/>
+        </p:xfrm>
+        <a:graphic>
+          <a:graphicData uri="http://schemas.openxmlformats.org/drawingml/2006/table">
+            <a:tbl>
+              <a:tblPr/>
+              <a:tblGrid>
+                <a:gridCol w="1010164">
+                  <a:extLst>
+                    <a:ext uri="{9D8B030D-6E8A-4147-A177-3AD203B41FA5}">
+                      <a16:colId xmlns:a16="http://schemas.microsoft.com/office/drawing/2014/main" val="4269799163"/>
+                    </a:ext>
+                  </a:extLst>
+                </a:gridCol>
+                <a:gridCol w="1010164">
+                  <a:extLst>
+                    <a:ext uri="{9D8B030D-6E8A-4147-A177-3AD203B41FA5}">
+                      <a16:colId xmlns:a16="http://schemas.microsoft.com/office/drawing/2014/main" val="154237965"/>
+                    </a:ext>
+                  </a:extLst>
+                </a:gridCol>
+                <a:gridCol w="777943">
+                  <a:extLst>
+                    <a:ext uri="{9D8B030D-6E8A-4147-A177-3AD203B41FA5}">
+                      <a16:colId xmlns:a16="http://schemas.microsoft.com/office/drawing/2014/main" val="43799606"/>
+                    </a:ext>
+                  </a:extLst>
+                </a:gridCol>
+                <a:gridCol w="1010164">
+                  <a:extLst>
+                    <a:ext uri="{9D8B030D-6E8A-4147-A177-3AD203B41FA5}">
+                      <a16:colId xmlns:a16="http://schemas.microsoft.com/office/drawing/2014/main" val="1493362207"/>
+                    </a:ext>
+                  </a:extLst>
+                </a:gridCol>
+              </a:tblGrid>
+              <a:tr h="274320">
+                <a:tc>
+                  <a:txBody>
+                    <a:bodyPr/>
+                    <a:lstStyle/>
+                    <a:p>
+                      <a:pPr algn="l" fontAlgn="ctr"/>
+                      <a:endParaRPr lang="zh-CN" altLang="en-US" sz="1200" b="1" i="0" u="none" strike="noStrike">
+                        <a:solidFill>
+                          <a:srgbClr val="000000"/>
+                        </a:solidFill>
+                        <a:effectLst/>
+                        <a:latin typeface="等线" panose="02010600030101010101" pitchFamily="2" charset="-122"/>
+                        <a:ea typeface="等线" panose="02010600030101010101" pitchFamily="2" charset="-122"/>
+                      </a:endParaRPr>
+                    </a:p>
+                  </a:txBody>
+                  <a:tcPr marL="9525" marR="9525" marT="9525" marB="0" anchor="ctr">
+                    <a:lnL>
+                      <a:noFill/>
+                    </a:lnL>
+                    <a:lnR>
+                      <a:noFill/>
+                    </a:lnR>
+                    <a:lnT>
+                      <a:noFill/>
+                    </a:lnT>
+                    <a:lnB>
+                      <a:noFill/>
+                    </a:lnB>
+                  </a:tcPr>
+                </a:tc>
+                <a:tc>
+                  <a:txBody>
+                    <a:bodyPr/>
+                    <a:lstStyle/>
+                    <a:p>
+                      <a:pPr algn="l" fontAlgn="ctr"/>
+                      <a:endParaRPr lang="zh-CN" altLang="en-US" sz="1200" b="1" i="0" u="none" strike="noStrike">
+                        <a:solidFill>
+                          <a:srgbClr val="000000"/>
+                        </a:solidFill>
+                        <a:effectLst/>
+                        <a:latin typeface="等线" panose="02010600030101010101" pitchFamily="2" charset="-122"/>
+                        <a:ea typeface="等线" panose="02010600030101010101" pitchFamily="2" charset="-122"/>
+                      </a:endParaRPr>
+                    </a:p>
+                  </a:txBody>
+                  <a:tcPr marL="9525" marR="9525" marT="9525" marB="0" anchor="ctr">
+                    <a:lnL>
+                      <a:noFill/>
+                    </a:lnL>
+                    <a:lnR>
+                      <a:noFill/>
+                    </a:lnR>
+                    <a:lnT>
+                      <a:noFill/>
+                    </a:lnT>
+                    <a:lnB>
+                      <a:noFill/>
+                    </a:lnB>
+                  </a:tcPr>
+                </a:tc>
+                <a:tc>
+                  <a:txBody>
+                    <a:bodyPr/>
+                    <a:lstStyle/>
+                    <a:p>
+                      <a:pPr algn="l" fontAlgn="ctr"/>
+                      <a:r>
+                        <a:rPr lang="en" sz="1200" b="1" i="0" u="none" strike="noStrike">
+                          <a:solidFill>
+                            <a:srgbClr val="000000"/>
+                          </a:solidFill>
+                          <a:effectLst/>
+                          <a:latin typeface="等线" panose="02010600030101010101" pitchFamily="2" charset="-122"/>
+                          <a:ea typeface="等线" panose="02010600030101010101" pitchFamily="2" charset="-122"/>
+                        </a:rPr>
+                        <a:t>Union</a:t>
+                      </a:r>
+                    </a:p>
+                  </a:txBody>
+                  <a:tcPr marL="9525" marR="9525" marT="9525" marB="0" anchor="ctr">
+                    <a:lnL>
+                      <a:noFill/>
+                    </a:lnL>
+                    <a:lnR>
+                      <a:noFill/>
+                    </a:lnR>
+                    <a:lnT>
+                      <a:noFill/>
+                    </a:lnT>
+                    <a:lnB>
+                      <a:noFill/>
+                    </a:lnB>
+                  </a:tcPr>
+                </a:tc>
+                <a:tc>
+                  <a:txBody>
+                    <a:bodyPr/>
+                    <a:lstStyle/>
+                    <a:p>
+                      <a:pPr algn="l" fontAlgn="ctr"/>
+                      <a:r>
+                        <a:rPr lang="en" sz="1200" b="1" i="0" u="none" strike="noStrike">
+                          <a:solidFill>
+                            <a:srgbClr val="000000"/>
+                          </a:solidFill>
+                          <a:effectLst/>
+                          <a:latin typeface="等线" panose="02010600030101010101" pitchFamily="2" charset="-122"/>
+                          <a:ea typeface="等线" panose="02010600030101010101" pitchFamily="2" charset="-122"/>
+                        </a:rPr>
+                        <a:t>Address</a:t>
+                      </a:r>
+                    </a:p>
+                  </a:txBody>
+                  <a:tcPr marL="9525" marR="9525" marT="9525" marB="0" anchor="ctr">
+                    <a:lnL>
+                      <a:noFill/>
+                    </a:lnL>
+                    <a:lnR>
+                      <a:noFill/>
+                    </a:lnR>
+                    <a:lnT>
+                      <a:noFill/>
+                    </a:lnT>
+                    <a:lnB>
+                      <a:noFill/>
+                    </a:lnB>
+                  </a:tcPr>
+                </a:tc>
+                <a:extLst>
+                  <a:ext uri="{0D108BD9-81ED-4DB2-BD59-A6C34878D82A}">
+                    <a16:rowId xmlns:a16="http://schemas.microsoft.com/office/drawing/2014/main" val="4190357807"/>
+                  </a:ext>
+                </a:extLst>
+              </a:tr>
+              <a:tr h="274320">
+                <a:tc>
+                  <a:txBody>
+                    <a:bodyPr/>
+                    <a:lstStyle/>
+                    <a:p>
+                      <a:pPr algn="l" fontAlgn="ctr"/>
+                      <a:endParaRPr lang="zh-CN" altLang="en-US" sz="1200" b="1" i="0" u="none" strike="noStrike">
+                        <a:solidFill>
+                          <a:srgbClr val="000000"/>
+                        </a:solidFill>
+                        <a:effectLst/>
+                        <a:latin typeface="等线" panose="02010600030101010101" pitchFamily="2" charset="-122"/>
+                        <a:ea typeface="等线" panose="02010600030101010101" pitchFamily="2" charset="-122"/>
+                      </a:endParaRPr>
+                    </a:p>
+                  </a:txBody>
+                  <a:tcPr marL="9525" marR="9525" marT="9525" marB="0" anchor="ctr">
+                    <a:lnL>
+                      <a:noFill/>
+                    </a:lnL>
+                    <a:lnR>
+                      <a:noFill/>
+                    </a:lnR>
+                    <a:lnT>
+                      <a:noFill/>
+                    </a:lnT>
+                    <a:lnB>
+                      <a:noFill/>
+                    </a:lnB>
+                  </a:tcPr>
+                </a:tc>
+                <a:tc>
+                  <a:txBody>
+                    <a:bodyPr/>
+                    <a:lstStyle/>
+                    <a:p>
+                      <a:pPr algn="l" fontAlgn="ctr"/>
+                      <a:endParaRPr lang="zh-CN" altLang="en-US" sz="1200" b="1" i="0" u="none" strike="noStrike">
+                        <a:solidFill>
+                          <a:srgbClr val="000000"/>
+                        </a:solidFill>
+                        <a:effectLst/>
+                        <a:latin typeface="等线" panose="02010600030101010101" pitchFamily="2" charset="-122"/>
+                        <a:ea typeface="等线" panose="02010600030101010101" pitchFamily="2" charset="-122"/>
+                      </a:endParaRPr>
+                    </a:p>
+                  </a:txBody>
+                  <a:tcPr marL="9525" marR="9525" marT="9525" marB="0" anchor="ctr">
+                    <a:lnL>
+                      <a:noFill/>
+                    </a:lnL>
+                    <a:lnR w="6350" cap="flat" cmpd="sng" algn="ctr">
+                      <a:solidFill>
+                        <a:srgbClr val="000000"/>
+                      </a:solidFill>
+                      <a:prstDash val="solid"/>
+                      <a:round/>
+                      <a:headEnd type="none" w="med" len="med"/>
+                      <a:tailEnd type="none" w="med" len="med"/>
+                    </a:lnR>
+                    <a:lnT>
+                      <a:noFill/>
+                    </a:lnT>
+                    <a:lnB>
+                      <a:noFill/>
+                    </a:lnB>
+                  </a:tcPr>
+                </a:tc>
+                <a:tc>
+                  <a:txBody>
+                    <a:bodyPr/>
+                    <a:lstStyle/>
+                    <a:p>
+                      <a:pPr algn="l" fontAlgn="ctr"/>
+                      <a:r>
+                        <a:rPr lang="zh-CN" altLang="en-US" sz="1200" b="1" i="0" u="none" strike="noStrike">
+                          <a:solidFill>
+                            <a:srgbClr val="000000"/>
+                          </a:solidFill>
+                          <a:effectLst/>
+                          <a:latin typeface="等线" panose="02010600030101010101" pitchFamily="2" charset="-122"/>
+                          <a:ea typeface="等线" panose="02010600030101010101" pitchFamily="2" charset="-122"/>
+                        </a:rPr>
+                        <a:t>　</a:t>
+                      </a:r>
+                    </a:p>
+                  </a:txBody>
+                  <a:tcPr marL="9525" marR="9525" marT="9525" marB="0" anchor="ctr">
+                    <a:lnL w="6350" cap="flat" cmpd="sng" algn="ctr">
+                      <a:solidFill>
+                        <a:srgbClr val="000000"/>
+                      </a:solidFill>
+                      <a:prstDash val="solid"/>
+                      <a:round/>
+                      <a:headEnd type="none" w="med" len="med"/>
+                      <a:tailEnd type="none" w="med" len="med"/>
+                    </a:lnL>
+                    <a:lnR w="6350" cap="flat" cmpd="sng" algn="ctr">
+                      <a:solidFill>
+                        <a:srgbClr val="000000"/>
+                      </a:solidFill>
+                      <a:prstDash val="solid"/>
+                      <a:round/>
+                      <a:headEnd type="none" w="med" len="med"/>
+                      <a:tailEnd type="none" w="med" len="med"/>
+                    </a:lnR>
+                    <a:lnT>
+                      <a:noFill/>
+                    </a:lnT>
+                    <a:lnB w="6350" cap="flat" cmpd="sng" algn="ctr">
+                      <a:solidFill>
+                        <a:srgbClr val="000000"/>
+                      </a:solidFill>
+                      <a:prstDash val="solid"/>
+                      <a:round/>
+                      <a:headEnd type="none" w="med" len="med"/>
+                      <a:tailEnd type="none" w="med" len="med"/>
+                    </a:lnB>
+                  </a:tcPr>
+                </a:tc>
+                <a:tc>
+                  <a:txBody>
+                    <a:bodyPr/>
+                    <a:lstStyle/>
+                    <a:p>
+                      <a:pPr algn="l" fontAlgn="ctr"/>
+                      <a:endParaRPr lang="zh-CN" altLang="en-US" sz="1200" b="1" i="0" u="none" strike="noStrike">
+                        <a:solidFill>
+                          <a:srgbClr val="000000"/>
+                        </a:solidFill>
+                        <a:effectLst/>
+                        <a:latin typeface="等线" panose="02010600030101010101" pitchFamily="2" charset="-122"/>
+                        <a:ea typeface="等线" panose="02010600030101010101" pitchFamily="2" charset="-122"/>
+                      </a:endParaRPr>
+                    </a:p>
+                  </a:txBody>
+                  <a:tcPr marL="9525" marR="9525" marT="9525" marB="0" anchor="ctr">
+                    <a:lnL w="6350" cap="flat" cmpd="sng" algn="ctr">
+                      <a:solidFill>
+                        <a:srgbClr val="000000"/>
+                      </a:solidFill>
+                      <a:prstDash val="solid"/>
+                      <a:round/>
+                      <a:headEnd type="none" w="med" len="med"/>
+                      <a:tailEnd type="none" w="med" len="med"/>
+                    </a:lnL>
+                    <a:lnR>
+                      <a:noFill/>
+                    </a:lnR>
+                    <a:lnT>
+                      <a:noFill/>
+                    </a:lnT>
+                    <a:lnB>
+                      <a:noFill/>
+                    </a:lnB>
+                  </a:tcPr>
+                </a:tc>
+                <a:extLst>
+                  <a:ext uri="{0D108BD9-81ED-4DB2-BD59-A6C34878D82A}">
+                    <a16:rowId xmlns:a16="http://schemas.microsoft.com/office/drawing/2014/main" val="3947739716"/>
+                  </a:ext>
+                </a:extLst>
+              </a:tr>
+              <a:tr h="274320">
+                <a:tc>
+                  <a:txBody>
+                    <a:bodyPr/>
+                    <a:lstStyle/>
+                    <a:p>
+                      <a:pPr algn="l" fontAlgn="ctr"/>
+                      <a:endParaRPr lang="zh-CN" altLang="en-US" sz="1200" b="1" i="0" u="none" strike="noStrike">
+                        <a:solidFill>
+                          <a:srgbClr val="000000"/>
+                        </a:solidFill>
+                        <a:effectLst/>
+                        <a:latin typeface="等线" panose="02010600030101010101" pitchFamily="2" charset="-122"/>
+                        <a:ea typeface="等线" panose="02010600030101010101" pitchFamily="2" charset="-122"/>
+                      </a:endParaRPr>
+                    </a:p>
+                  </a:txBody>
+                  <a:tcPr marL="9525" marR="9525" marT="9525" marB="0" anchor="ctr">
+                    <a:lnL>
+                      <a:noFill/>
+                    </a:lnL>
+                    <a:lnR>
+                      <a:noFill/>
+                    </a:lnR>
+                    <a:lnT>
+                      <a:noFill/>
+                    </a:lnT>
+                    <a:lnB w="6350" cap="flat" cmpd="sng" algn="ctr">
+                      <a:solidFill>
+                        <a:srgbClr val="E7E6E6"/>
+                      </a:solidFill>
+                      <a:prstDash val="solid"/>
+                      <a:round/>
+                      <a:headEnd type="none" w="med" len="med"/>
+                      <a:tailEnd type="none" w="med" len="med"/>
+                    </a:lnB>
+                  </a:tcPr>
+                </a:tc>
+                <a:tc>
+                  <a:txBody>
+                    <a:bodyPr/>
+                    <a:lstStyle/>
+                    <a:p>
+                      <a:pPr algn="l" fontAlgn="ctr"/>
+                      <a:r>
+                        <a:rPr lang="zh-CN" altLang="en-US" sz="1200" b="1" i="0" u="none" strike="noStrike">
+                          <a:solidFill>
+                            <a:srgbClr val="000000"/>
+                          </a:solidFill>
+                          <a:effectLst/>
+                          <a:latin typeface="等线" panose="02010600030101010101" pitchFamily="2" charset="-122"/>
+                          <a:ea typeface="等线" panose="02010600030101010101" pitchFamily="2" charset="-122"/>
+                        </a:rPr>
+                        <a:t>　</a:t>
+                      </a:r>
+                    </a:p>
+                  </a:txBody>
+                  <a:tcPr marL="9525" marR="9525" marT="9525" marB="0" anchor="ctr">
+                    <a:lnL>
+                      <a:noFill/>
+                    </a:lnL>
+                    <a:lnR w="6350" cap="flat" cmpd="sng" algn="ctr">
+                      <a:solidFill>
+                        <a:srgbClr val="000000"/>
+                      </a:solidFill>
+                      <a:prstDash val="solid"/>
+                      <a:round/>
+                      <a:headEnd type="none" w="med" len="med"/>
+                      <a:tailEnd type="none" w="med" len="med"/>
+                    </a:lnR>
+                    <a:lnT>
+                      <a:noFill/>
+                    </a:lnT>
+                    <a:lnB w="6350" cap="flat" cmpd="sng" algn="ctr">
+                      <a:solidFill>
+                        <a:srgbClr val="E7E6E6"/>
+                      </a:solidFill>
+                      <a:prstDash val="solid"/>
+                      <a:round/>
+                      <a:headEnd type="none" w="med" len="med"/>
+                      <a:tailEnd type="none" w="med" len="med"/>
+                    </a:lnB>
+                  </a:tcPr>
+                </a:tc>
+                <a:tc>
+                  <a:txBody>
+                    <a:bodyPr/>
+                    <a:lstStyle/>
+                    <a:p>
+                      <a:pPr algn="l" fontAlgn="ctr"/>
+                      <a:r>
+                        <a:rPr lang="zh-CN" altLang="en-US" sz="1200" b="1" i="0" u="none" strike="noStrike">
+                          <a:solidFill>
+                            <a:srgbClr val="000000"/>
+                          </a:solidFill>
+                          <a:effectLst/>
+                          <a:latin typeface="等线" panose="02010600030101010101" pitchFamily="2" charset="-122"/>
+                          <a:ea typeface="等线" panose="02010600030101010101" pitchFamily="2" charset="-122"/>
+                        </a:rPr>
+                        <a:t>　</a:t>
+                      </a:r>
+                    </a:p>
+                  </a:txBody>
+                  <a:tcPr marL="9525" marR="9525" marT="9525" marB="0" anchor="ctr">
+                    <a:lnL w="6350" cap="flat" cmpd="sng" algn="ctr">
+                      <a:solidFill>
+                        <a:srgbClr val="000000"/>
+                      </a:solidFill>
+                      <a:prstDash val="solid"/>
+                      <a:round/>
+                      <a:headEnd type="none" w="med" len="med"/>
+                      <a:tailEnd type="none" w="med" len="med"/>
+                    </a:lnL>
+                    <a:lnR w="6350" cap="flat" cmpd="sng" algn="ctr">
+                      <a:solidFill>
+                        <a:srgbClr val="000000"/>
+                      </a:solidFill>
+                      <a:prstDash val="solid"/>
+                      <a:round/>
+                      <a:headEnd type="none" w="med" len="med"/>
+                      <a:tailEnd type="none" w="med" len="med"/>
+                    </a:lnR>
+                    <a:lnT w="6350" cap="flat" cmpd="sng" algn="ctr">
+                      <a:solidFill>
+                        <a:srgbClr val="000000"/>
+                      </a:solidFill>
+                      <a:prstDash val="solid"/>
+                      <a:round/>
+                      <a:headEnd type="none" w="med" len="med"/>
+                      <a:tailEnd type="none" w="med" len="med"/>
+                    </a:lnT>
+                    <a:lnB w="6350" cap="flat" cmpd="sng" algn="ctr">
+                      <a:solidFill>
+                        <a:srgbClr val="000000"/>
+                      </a:solidFill>
+                      <a:prstDash val="solid"/>
+                      <a:round/>
+                      <a:headEnd type="none" w="med" len="med"/>
+                      <a:tailEnd type="none" w="med" len="med"/>
+                    </a:lnB>
+                  </a:tcPr>
+                </a:tc>
+                <a:tc>
+                  <a:txBody>
+                    <a:bodyPr/>
+                    <a:lstStyle/>
+                    <a:p>
+                      <a:pPr algn="l" fontAlgn="ctr"/>
+                      <a:r>
+                        <a:rPr lang="en" sz="1200" b="1" i="0" u="none" strike="noStrike">
+                          <a:solidFill>
+                            <a:srgbClr val="000000"/>
+                          </a:solidFill>
+                          <a:effectLst/>
+                          <a:latin typeface="等线" panose="02010600030101010101" pitchFamily="2" charset="-122"/>
+                          <a:ea typeface="等线" panose="02010600030101010101" pitchFamily="2" charset="-122"/>
+                        </a:rPr>
+                        <a:t>p+4</a:t>
+                      </a:r>
+                    </a:p>
+                  </a:txBody>
+                  <a:tcPr marL="9525" marR="9525" marT="9525" marB="0" anchor="ctr">
+                    <a:lnL w="6350" cap="flat" cmpd="sng" algn="ctr">
+                      <a:solidFill>
+                        <a:srgbClr val="000000"/>
+                      </a:solidFill>
+                      <a:prstDash val="solid"/>
+                      <a:round/>
+                      <a:headEnd type="none" w="med" len="med"/>
+                      <a:tailEnd type="none" w="med" len="med"/>
+                    </a:lnL>
+                    <a:lnR>
+                      <a:noFill/>
+                    </a:lnR>
+                    <a:lnT>
+                      <a:noFill/>
+                    </a:lnT>
+                    <a:lnB>
+                      <a:noFill/>
+                    </a:lnB>
+                  </a:tcPr>
+                </a:tc>
+                <a:extLst>
+                  <a:ext uri="{0D108BD9-81ED-4DB2-BD59-A6C34878D82A}">
+                    <a16:rowId xmlns:a16="http://schemas.microsoft.com/office/drawing/2014/main" val="764838017"/>
+                  </a:ext>
+                </a:extLst>
+              </a:tr>
+              <a:tr h="274320">
+                <a:tc>
+                  <a:txBody>
+                    <a:bodyPr/>
+                    <a:lstStyle/>
+                    <a:p>
+                      <a:pPr algn="l" fontAlgn="ctr"/>
+                      <a:r>
+                        <a:rPr lang="en" sz="1200" b="1" i="0" u="none" strike="noStrike">
+                          <a:solidFill>
+                            <a:srgbClr val="000000"/>
+                          </a:solidFill>
+                          <a:effectLst/>
+                          <a:latin typeface="等线" panose="02010600030101010101" pitchFamily="2" charset="-122"/>
+                          <a:ea typeface="等线" panose="02010600030101010101" pitchFamily="2" charset="-122"/>
+                        </a:rPr>
+                        <a:t>address8[3]</a:t>
+                      </a:r>
+                    </a:p>
+                  </a:txBody>
+                  <a:tcPr marL="9525" marR="9525" marT="9525" marB="0" anchor="ctr">
+                    <a:lnL w="6350" cap="flat" cmpd="sng" algn="ctr">
+                      <a:solidFill>
+                        <a:srgbClr val="E7E6E6"/>
+                      </a:solidFill>
+                      <a:prstDash val="solid"/>
+                      <a:round/>
+                      <a:headEnd type="none" w="med" len="med"/>
+                      <a:tailEnd type="none" w="med" len="med"/>
+                    </a:lnL>
+                    <a:lnR w="6350" cap="flat" cmpd="sng" algn="ctr">
+                      <a:solidFill>
+                        <a:srgbClr val="E7E6E6"/>
+                      </a:solidFill>
+                      <a:prstDash val="solid"/>
+                      <a:round/>
+                      <a:headEnd type="none" w="med" len="med"/>
+                      <a:tailEnd type="none" w="med" len="med"/>
+                    </a:lnR>
+                    <a:lnT w="6350" cap="flat" cmpd="sng" algn="ctr">
+                      <a:solidFill>
+                        <a:srgbClr val="E7E6E6"/>
+                      </a:solidFill>
+                      <a:prstDash val="solid"/>
+                      <a:round/>
+                      <a:headEnd type="none" w="med" len="med"/>
+                      <a:tailEnd type="none" w="med" len="med"/>
+                    </a:lnT>
+                    <a:lnB w="6350" cap="flat" cmpd="sng" algn="ctr">
+                      <a:solidFill>
+                        <a:srgbClr val="E7E6E6"/>
+                      </a:solidFill>
+                      <a:prstDash val="solid"/>
+                      <a:round/>
+                      <a:headEnd type="none" w="med" len="med"/>
+                      <a:tailEnd type="none" w="med" len="med"/>
+                    </a:lnB>
+                  </a:tcPr>
+                </a:tc>
+                <a:tc rowSpan="4">
+                  <a:txBody>
+                    <a:bodyPr/>
+                    <a:lstStyle/>
+                    <a:p>
+                      <a:pPr algn="ctr" fontAlgn="ctr"/>
+                      <a:r>
+                        <a:rPr lang="en" sz="1200" b="1" i="0" u="none" strike="noStrike">
+                          <a:solidFill>
+                            <a:srgbClr val="000000"/>
+                          </a:solidFill>
+                          <a:effectLst/>
+                          <a:latin typeface="等线" panose="02010600030101010101" pitchFamily="2" charset="-122"/>
+                          <a:ea typeface="等线" panose="02010600030101010101" pitchFamily="2" charset="-122"/>
+                        </a:rPr>
+                        <a:t>address32</a:t>
+                      </a:r>
+                    </a:p>
+                  </a:txBody>
+                  <a:tcPr marL="9525" marR="9525" marT="9525" marB="0" anchor="ctr">
+                    <a:lnL w="6350" cap="flat" cmpd="sng" algn="ctr">
+                      <a:solidFill>
+                        <a:srgbClr val="E7E6E6"/>
+                      </a:solidFill>
+                      <a:prstDash val="solid"/>
+                      <a:round/>
+                      <a:headEnd type="none" w="med" len="med"/>
+                      <a:tailEnd type="none" w="med" len="med"/>
+                    </a:lnL>
+                    <a:lnR w="6350" cap="flat" cmpd="sng" algn="ctr">
+                      <a:solidFill>
+                        <a:srgbClr val="000000"/>
+                      </a:solidFill>
+                      <a:prstDash val="solid"/>
+                      <a:round/>
+                      <a:headEnd type="none" w="med" len="med"/>
+                      <a:tailEnd type="none" w="med" len="med"/>
+                    </a:lnR>
+                    <a:lnT w="6350" cap="flat" cmpd="sng" algn="ctr">
+                      <a:solidFill>
+                        <a:srgbClr val="E7E6E6"/>
+                      </a:solidFill>
+                      <a:prstDash val="solid"/>
+                      <a:round/>
+                      <a:headEnd type="none" w="med" len="med"/>
+                      <a:tailEnd type="none" w="med" len="med"/>
+                    </a:lnT>
+                    <a:lnB w="6350" cap="flat" cmpd="sng" algn="ctr">
+                      <a:solidFill>
+                        <a:srgbClr val="E7E6E6"/>
+                      </a:solidFill>
+                      <a:prstDash val="solid"/>
+                      <a:round/>
+                      <a:headEnd type="none" w="med" len="med"/>
+                      <a:tailEnd type="none" w="med" len="med"/>
+                    </a:lnB>
+                  </a:tcPr>
+                </a:tc>
+                <a:tc>
+                  <a:txBody>
+                    <a:bodyPr/>
+                    <a:lstStyle/>
+                    <a:p>
+                      <a:pPr algn="ctr" fontAlgn="ctr"/>
+                      <a:r>
+                        <a:rPr lang="en-US" altLang="zh-CN" sz="1200" b="1" i="0" u="none" strike="noStrike">
+                          <a:solidFill>
+                            <a:srgbClr val="000000"/>
+                          </a:solidFill>
+                          <a:effectLst/>
+                          <a:latin typeface="等线" panose="02010600030101010101" pitchFamily="2" charset="-122"/>
+                          <a:ea typeface="等线" panose="02010600030101010101" pitchFamily="2" charset="-122"/>
+                        </a:rPr>
+                        <a:t>127</a:t>
+                      </a:r>
+                    </a:p>
+                  </a:txBody>
+                  <a:tcPr marL="9525" marR="9525" marT="9525" marB="0" anchor="ctr">
+                    <a:lnL w="6350" cap="flat" cmpd="sng" algn="ctr">
+                      <a:solidFill>
+                        <a:srgbClr val="000000"/>
+                      </a:solidFill>
+                      <a:prstDash val="solid"/>
+                      <a:round/>
+                      <a:headEnd type="none" w="med" len="med"/>
+                      <a:tailEnd type="none" w="med" len="med"/>
+                    </a:lnL>
+                    <a:lnR w="6350" cap="flat" cmpd="sng" algn="ctr">
+                      <a:solidFill>
+                        <a:srgbClr val="000000"/>
+                      </a:solidFill>
+                      <a:prstDash val="solid"/>
+                      <a:round/>
+                      <a:headEnd type="none" w="med" len="med"/>
+                      <a:tailEnd type="none" w="med" len="med"/>
+                    </a:lnR>
+                    <a:lnT w="6350" cap="flat" cmpd="sng" algn="ctr">
+                      <a:solidFill>
+                        <a:srgbClr val="000000"/>
+                      </a:solidFill>
+                      <a:prstDash val="solid"/>
+                      <a:round/>
+                      <a:headEnd type="none" w="med" len="med"/>
+                      <a:tailEnd type="none" w="med" len="med"/>
+                    </a:lnT>
+                    <a:lnB w="6350" cap="flat" cmpd="sng" algn="ctr">
+                      <a:solidFill>
+                        <a:srgbClr val="000000"/>
+                      </a:solidFill>
+                      <a:prstDash val="solid"/>
+                      <a:round/>
+                      <a:headEnd type="none" w="med" len="med"/>
+                      <a:tailEnd type="none" w="med" len="med"/>
+                    </a:lnB>
+                    <a:solidFill>
+                      <a:srgbClr val="E2EFDA"/>
+                    </a:solidFill>
+                  </a:tcPr>
+                </a:tc>
+                <a:tc>
+                  <a:txBody>
+                    <a:bodyPr/>
+                    <a:lstStyle/>
+                    <a:p>
+                      <a:pPr algn="l" fontAlgn="ctr"/>
+                      <a:r>
+                        <a:rPr lang="en" sz="1200" b="1" i="0" u="none" strike="noStrike">
+                          <a:solidFill>
+                            <a:srgbClr val="000000"/>
+                          </a:solidFill>
+                          <a:effectLst/>
+                          <a:latin typeface="等线" panose="02010600030101010101" pitchFamily="2" charset="-122"/>
+                          <a:ea typeface="等线" panose="02010600030101010101" pitchFamily="2" charset="-122"/>
+                        </a:rPr>
+                        <a:t>p+3</a:t>
+                      </a:r>
+                    </a:p>
+                  </a:txBody>
+                  <a:tcPr marL="9525" marR="9525" marT="9525" marB="0" anchor="ctr">
+                    <a:lnL w="6350" cap="flat" cmpd="sng" algn="ctr">
+                      <a:solidFill>
+                        <a:srgbClr val="000000"/>
+                      </a:solidFill>
+                      <a:prstDash val="solid"/>
+                      <a:round/>
+                      <a:headEnd type="none" w="med" len="med"/>
+                      <a:tailEnd type="none" w="med" len="med"/>
+                    </a:lnL>
+                    <a:lnR>
+                      <a:noFill/>
+                    </a:lnR>
+                    <a:lnT>
+                      <a:noFill/>
+                    </a:lnT>
+                    <a:lnB>
+                      <a:noFill/>
+                    </a:lnB>
+                  </a:tcPr>
+                </a:tc>
+                <a:extLst>
+                  <a:ext uri="{0D108BD9-81ED-4DB2-BD59-A6C34878D82A}">
+                    <a16:rowId xmlns:a16="http://schemas.microsoft.com/office/drawing/2014/main" val="3736876362"/>
+                  </a:ext>
+                </a:extLst>
+              </a:tr>
+              <a:tr h="274320">
+                <a:tc>
+                  <a:txBody>
+                    <a:bodyPr/>
+                    <a:lstStyle/>
+                    <a:p>
+                      <a:pPr algn="l" fontAlgn="ctr"/>
+                      <a:r>
+                        <a:rPr lang="en" sz="1200" b="1" i="0" u="none" strike="noStrike">
+                          <a:solidFill>
+                            <a:srgbClr val="000000"/>
+                          </a:solidFill>
+                          <a:effectLst/>
+                          <a:latin typeface="等线" panose="02010600030101010101" pitchFamily="2" charset="-122"/>
+                          <a:ea typeface="等线" panose="02010600030101010101" pitchFamily="2" charset="-122"/>
+                        </a:rPr>
+                        <a:t>address8[2]</a:t>
+                      </a:r>
+                    </a:p>
+                  </a:txBody>
+                  <a:tcPr marL="9525" marR="9525" marT="9525" marB="0" anchor="ctr">
+                    <a:lnL w="6350" cap="flat" cmpd="sng" algn="ctr">
+                      <a:solidFill>
+                        <a:srgbClr val="E7E6E6"/>
+                      </a:solidFill>
+                      <a:prstDash val="solid"/>
+                      <a:round/>
+                      <a:headEnd type="none" w="med" len="med"/>
+                      <a:tailEnd type="none" w="med" len="med"/>
+                    </a:lnL>
+                    <a:lnR w="6350" cap="flat" cmpd="sng" algn="ctr">
+                      <a:solidFill>
+                        <a:srgbClr val="E7E6E6"/>
+                      </a:solidFill>
+                      <a:prstDash val="solid"/>
+                      <a:round/>
+                      <a:headEnd type="none" w="med" len="med"/>
+                      <a:tailEnd type="none" w="med" len="med"/>
+                    </a:lnR>
+                    <a:lnT w="6350" cap="flat" cmpd="sng" algn="ctr">
+                      <a:solidFill>
+                        <a:srgbClr val="E7E6E6"/>
+                      </a:solidFill>
+                      <a:prstDash val="solid"/>
+                      <a:round/>
+                      <a:headEnd type="none" w="med" len="med"/>
+                      <a:tailEnd type="none" w="med" len="med"/>
+                    </a:lnT>
+                    <a:lnB w="6350" cap="flat" cmpd="sng" algn="ctr">
+                      <a:solidFill>
+                        <a:srgbClr val="E7E6E6"/>
+                      </a:solidFill>
+                      <a:prstDash val="solid"/>
+                      <a:round/>
+                      <a:headEnd type="none" w="med" len="med"/>
+                      <a:tailEnd type="none" w="med" len="med"/>
+                    </a:lnB>
+                  </a:tcPr>
+                </a:tc>
+                <a:tc vMerge="1">
+                  <a:txBody>
+                    <a:bodyPr/>
+                    <a:lstStyle/>
+                    <a:p>
+                      <a:endParaRPr lang="zh-CN" altLang="en-US"/>
+                    </a:p>
+                  </a:txBody>
+                  <a:tcPr/>
+                </a:tc>
+                <a:tc>
+                  <a:txBody>
+                    <a:bodyPr/>
+                    <a:lstStyle/>
+                    <a:p>
+                      <a:pPr algn="ctr" fontAlgn="ctr"/>
+                      <a:r>
+                        <a:rPr lang="en-US" altLang="zh-CN" sz="1200" b="1" i="0" u="none" strike="noStrike">
+                          <a:solidFill>
+                            <a:srgbClr val="000000"/>
+                          </a:solidFill>
+                          <a:effectLst/>
+                          <a:latin typeface="等线" panose="02010600030101010101" pitchFamily="2" charset="-122"/>
+                          <a:ea typeface="等线" panose="02010600030101010101" pitchFamily="2" charset="-122"/>
+                        </a:rPr>
+                        <a:t>0</a:t>
+                      </a:r>
+                    </a:p>
+                  </a:txBody>
+                  <a:tcPr marL="9525" marR="9525" marT="9525" marB="0" anchor="ctr">
+                    <a:lnL w="6350" cap="flat" cmpd="sng" algn="ctr">
+                      <a:solidFill>
+                        <a:srgbClr val="000000"/>
+                      </a:solidFill>
+                      <a:prstDash val="solid"/>
+                      <a:round/>
+                      <a:headEnd type="none" w="med" len="med"/>
+                      <a:tailEnd type="none" w="med" len="med"/>
+                    </a:lnL>
+                    <a:lnR w="6350" cap="flat" cmpd="sng" algn="ctr">
+                      <a:solidFill>
+                        <a:srgbClr val="000000"/>
+                      </a:solidFill>
+                      <a:prstDash val="solid"/>
+                      <a:round/>
+                      <a:headEnd type="none" w="med" len="med"/>
+                      <a:tailEnd type="none" w="med" len="med"/>
+                    </a:lnR>
+                    <a:lnT w="6350" cap="flat" cmpd="sng" algn="ctr">
+                      <a:solidFill>
+                        <a:srgbClr val="000000"/>
+                      </a:solidFill>
+                      <a:prstDash val="solid"/>
+                      <a:round/>
+                      <a:headEnd type="none" w="med" len="med"/>
+                      <a:tailEnd type="none" w="med" len="med"/>
+                    </a:lnT>
+                    <a:lnB w="6350" cap="flat" cmpd="sng" algn="ctr">
+                      <a:solidFill>
+                        <a:srgbClr val="000000"/>
+                      </a:solidFill>
+                      <a:prstDash val="solid"/>
+                      <a:round/>
+                      <a:headEnd type="none" w="med" len="med"/>
+                      <a:tailEnd type="none" w="med" len="med"/>
+                    </a:lnB>
+                    <a:solidFill>
+                      <a:srgbClr val="E2EFDA"/>
+                    </a:solidFill>
+                  </a:tcPr>
+                </a:tc>
+                <a:tc>
+                  <a:txBody>
+                    <a:bodyPr/>
+                    <a:lstStyle/>
+                    <a:p>
+                      <a:pPr algn="l" fontAlgn="ctr"/>
+                      <a:r>
+                        <a:rPr lang="en" sz="1200" b="1" i="0" u="none" strike="noStrike">
+                          <a:solidFill>
+                            <a:srgbClr val="000000"/>
+                          </a:solidFill>
+                          <a:effectLst/>
+                          <a:latin typeface="等线" panose="02010600030101010101" pitchFamily="2" charset="-122"/>
+                          <a:ea typeface="等线" panose="02010600030101010101" pitchFamily="2" charset="-122"/>
+                        </a:rPr>
+                        <a:t>p+2</a:t>
+                      </a:r>
+                    </a:p>
+                  </a:txBody>
+                  <a:tcPr marL="9525" marR="9525" marT="9525" marB="0" anchor="ctr">
+                    <a:lnL w="6350" cap="flat" cmpd="sng" algn="ctr">
+                      <a:solidFill>
+                        <a:srgbClr val="000000"/>
+                      </a:solidFill>
+                      <a:prstDash val="solid"/>
+                      <a:round/>
+                      <a:headEnd type="none" w="med" len="med"/>
+                      <a:tailEnd type="none" w="med" len="med"/>
+                    </a:lnL>
+                    <a:lnR>
+                      <a:noFill/>
+                    </a:lnR>
+                    <a:lnT>
+                      <a:noFill/>
+                    </a:lnT>
+                    <a:lnB>
+                      <a:noFill/>
+                    </a:lnB>
+                  </a:tcPr>
+                </a:tc>
+                <a:extLst>
+                  <a:ext uri="{0D108BD9-81ED-4DB2-BD59-A6C34878D82A}">
+                    <a16:rowId xmlns:a16="http://schemas.microsoft.com/office/drawing/2014/main" val="3990301427"/>
+                  </a:ext>
+                </a:extLst>
+              </a:tr>
+              <a:tr h="274320">
+                <a:tc>
+                  <a:txBody>
+                    <a:bodyPr/>
+                    <a:lstStyle/>
+                    <a:p>
+                      <a:pPr algn="l" fontAlgn="ctr"/>
+                      <a:r>
+                        <a:rPr lang="en" sz="1200" b="1" i="0" u="none" strike="noStrike">
+                          <a:solidFill>
+                            <a:srgbClr val="000000"/>
+                          </a:solidFill>
+                          <a:effectLst/>
+                          <a:latin typeface="等线" panose="02010600030101010101" pitchFamily="2" charset="-122"/>
+                          <a:ea typeface="等线" panose="02010600030101010101" pitchFamily="2" charset="-122"/>
+                        </a:rPr>
+                        <a:t>address8[1]</a:t>
+                      </a:r>
+                    </a:p>
+                  </a:txBody>
+                  <a:tcPr marL="9525" marR="9525" marT="9525" marB="0" anchor="ctr">
+                    <a:lnL w="6350" cap="flat" cmpd="sng" algn="ctr">
+                      <a:solidFill>
+                        <a:srgbClr val="E7E6E6"/>
+                      </a:solidFill>
+                      <a:prstDash val="solid"/>
+                      <a:round/>
+                      <a:headEnd type="none" w="med" len="med"/>
+                      <a:tailEnd type="none" w="med" len="med"/>
+                    </a:lnL>
+                    <a:lnR w="6350" cap="flat" cmpd="sng" algn="ctr">
+                      <a:solidFill>
+                        <a:srgbClr val="E7E6E6"/>
+                      </a:solidFill>
+                      <a:prstDash val="solid"/>
+                      <a:round/>
+                      <a:headEnd type="none" w="med" len="med"/>
+                      <a:tailEnd type="none" w="med" len="med"/>
+                    </a:lnR>
+                    <a:lnT w="6350" cap="flat" cmpd="sng" algn="ctr">
+                      <a:solidFill>
+                        <a:srgbClr val="E7E6E6"/>
+                      </a:solidFill>
+                      <a:prstDash val="solid"/>
+                      <a:round/>
+                      <a:headEnd type="none" w="med" len="med"/>
+                      <a:tailEnd type="none" w="med" len="med"/>
+                    </a:lnT>
+                    <a:lnB w="6350" cap="flat" cmpd="sng" algn="ctr">
+                      <a:solidFill>
+                        <a:srgbClr val="E7E6E6"/>
+                      </a:solidFill>
+                      <a:prstDash val="solid"/>
+                      <a:round/>
+                      <a:headEnd type="none" w="med" len="med"/>
+                      <a:tailEnd type="none" w="med" len="med"/>
+                    </a:lnB>
+                  </a:tcPr>
+                </a:tc>
+                <a:tc vMerge="1">
+                  <a:txBody>
+                    <a:bodyPr/>
+                    <a:lstStyle/>
+                    <a:p>
+                      <a:endParaRPr lang="zh-CN" altLang="en-US"/>
+                    </a:p>
+                  </a:txBody>
+                  <a:tcPr/>
+                </a:tc>
+                <a:tc>
+                  <a:txBody>
+                    <a:bodyPr/>
+                    <a:lstStyle/>
+                    <a:p>
+                      <a:pPr algn="ctr" fontAlgn="ctr"/>
+                      <a:r>
+                        <a:rPr lang="en-US" altLang="zh-CN" sz="1200" b="1" i="0" u="none" strike="noStrike">
+                          <a:solidFill>
+                            <a:srgbClr val="000000"/>
+                          </a:solidFill>
+                          <a:effectLst/>
+                          <a:latin typeface="等线" panose="02010600030101010101" pitchFamily="2" charset="-122"/>
+                          <a:ea typeface="等线" panose="02010600030101010101" pitchFamily="2" charset="-122"/>
+                        </a:rPr>
+                        <a:t>0</a:t>
+                      </a:r>
+                    </a:p>
+                  </a:txBody>
+                  <a:tcPr marL="9525" marR="9525" marT="9525" marB="0" anchor="ctr">
+                    <a:lnL w="6350" cap="flat" cmpd="sng" algn="ctr">
+                      <a:solidFill>
+                        <a:srgbClr val="000000"/>
+                      </a:solidFill>
+                      <a:prstDash val="solid"/>
+                      <a:round/>
+                      <a:headEnd type="none" w="med" len="med"/>
+                      <a:tailEnd type="none" w="med" len="med"/>
+                    </a:lnL>
+                    <a:lnR w="6350" cap="flat" cmpd="sng" algn="ctr">
+                      <a:solidFill>
+                        <a:srgbClr val="000000"/>
+                      </a:solidFill>
+                      <a:prstDash val="solid"/>
+                      <a:round/>
+                      <a:headEnd type="none" w="med" len="med"/>
+                      <a:tailEnd type="none" w="med" len="med"/>
+                    </a:lnR>
+                    <a:lnT w="6350" cap="flat" cmpd="sng" algn="ctr">
+                      <a:solidFill>
+                        <a:srgbClr val="000000"/>
+                      </a:solidFill>
+                      <a:prstDash val="solid"/>
+                      <a:round/>
+                      <a:headEnd type="none" w="med" len="med"/>
+                      <a:tailEnd type="none" w="med" len="med"/>
+                    </a:lnT>
+                    <a:lnB w="6350" cap="flat" cmpd="sng" algn="ctr">
+                      <a:solidFill>
+                        <a:srgbClr val="000000"/>
+                      </a:solidFill>
+                      <a:prstDash val="solid"/>
+                      <a:round/>
+                      <a:headEnd type="none" w="med" len="med"/>
+                      <a:tailEnd type="none" w="med" len="med"/>
+                    </a:lnB>
+                    <a:solidFill>
+                      <a:srgbClr val="E2EFDA"/>
+                    </a:solidFill>
+                  </a:tcPr>
+                </a:tc>
+                <a:tc>
+                  <a:txBody>
+                    <a:bodyPr/>
+                    <a:lstStyle/>
+                    <a:p>
+                      <a:pPr algn="l" fontAlgn="ctr"/>
+                      <a:r>
+                        <a:rPr lang="en" sz="1200" b="1" i="0" u="none" strike="noStrike">
+                          <a:solidFill>
+                            <a:srgbClr val="000000"/>
+                          </a:solidFill>
+                          <a:effectLst/>
+                          <a:latin typeface="等线" panose="02010600030101010101" pitchFamily="2" charset="-122"/>
+                          <a:ea typeface="等线" panose="02010600030101010101" pitchFamily="2" charset="-122"/>
+                        </a:rPr>
+                        <a:t>p+1</a:t>
+                      </a:r>
+                    </a:p>
+                  </a:txBody>
+                  <a:tcPr marL="9525" marR="9525" marT="9525" marB="0" anchor="ctr">
+                    <a:lnL w="6350" cap="flat" cmpd="sng" algn="ctr">
+                      <a:solidFill>
+                        <a:srgbClr val="000000"/>
+                      </a:solidFill>
+                      <a:prstDash val="solid"/>
+                      <a:round/>
+                      <a:headEnd type="none" w="med" len="med"/>
+                      <a:tailEnd type="none" w="med" len="med"/>
+                    </a:lnL>
+                    <a:lnR>
+                      <a:noFill/>
+                    </a:lnR>
+                    <a:lnT>
+                      <a:noFill/>
+                    </a:lnT>
+                    <a:lnB>
+                      <a:noFill/>
+                    </a:lnB>
+                  </a:tcPr>
+                </a:tc>
+                <a:extLst>
+                  <a:ext uri="{0D108BD9-81ED-4DB2-BD59-A6C34878D82A}">
+                    <a16:rowId xmlns:a16="http://schemas.microsoft.com/office/drawing/2014/main" val="2427161949"/>
+                  </a:ext>
+                </a:extLst>
+              </a:tr>
+              <a:tr h="274320">
+                <a:tc>
+                  <a:txBody>
+                    <a:bodyPr/>
+                    <a:lstStyle/>
+                    <a:p>
+                      <a:pPr algn="l" fontAlgn="ctr"/>
+                      <a:r>
+                        <a:rPr lang="en" sz="1200" b="1" i="0" u="none" strike="noStrike">
+                          <a:solidFill>
+                            <a:srgbClr val="000000"/>
+                          </a:solidFill>
+                          <a:effectLst/>
+                          <a:latin typeface="等线" panose="02010600030101010101" pitchFamily="2" charset="-122"/>
+                          <a:ea typeface="等线" panose="02010600030101010101" pitchFamily="2" charset="-122"/>
+                        </a:rPr>
+                        <a:t>address8[0]</a:t>
+                      </a:r>
+                    </a:p>
+                  </a:txBody>
+                  <a:tcPr marL="9525" marR="9525" marT="9525" marB="0" anchor="ctr">
+                    <a:lnL w="6350" cap="flat" cmpd="sng" algn="ctr">
+                      <a:solidFill>
+                        <a:srgbClr val="E7E6E6"/>
+                      </a:solidFill>
+                      <a:prstDash val="solid"/>
+                      <a:round/>
+                      <a:headEnd type="none" w="med" len="med"/>
+                      <a:tailEnd type="none" w="med" len="med"/>
+                    </a:lnL>
+                    <a:lnR w="6350" cap="flat" cmpd="sng" algn="ctr">
+                      <a:solidFill>
+                        <a:srgbClr val="E7E6E6"/>
+                      </a:solidFill>
+                      <a:prstDash val="solid"/>
+                      <a:round/>
+                      <a:headEnd type="none" w="med" len="med"/>
+                      <a:tailEnd type="none" w="med" len="med"/>
+                    </a:lnR>
+                    <a:lnT w="6350" cap="flat" cmpd="sng" algn="ctr">
+                      <a:solidFill>
+                        <a:srgbClr val="E7E6E6"/>
+                      </a:solidFill>
+                      <a:prstDash val="solid"/>
+                      <a:round/>
+                      <a:headEnd type="none" w="med" len="med"/>
+                      <a:tailEnd type="none" w="med" len="med"/>
+                    </a:lnT>
+                    <a:lnB w="6350" cap="flat" cmpd="sng" algn="ctr">
+                      <a:solidFill>
+                        <a:srgbClr val="E7E6E6"/>
+                      </a:solidFill>
+                      <a:prstDash val="solid"/>
+                      <a:round/>
+                      <a:headEnd type="none" w="med" len="med"/>
+                      <a:tailEnd type="none" w="med" len="med"/>
+                    </a:lnB>
+                  </a:tcPr>
+                </a:tc>
+                <a:tc vMerge="1">
+                  <a:txBody>
+                    <a:bodyPr/>
+                    <a:lstStyle/>
+                    <a:p>
+                      <a:endParaRPr lang="zh-CN" altLang="en-US"/>
+                    </a:p>
+                  </a:txBody>
+                  <a:tcPr/>
+                </a:tc>
+                <a:tc>
+                  <a:txBody>
+                    <a:bodyPr/>
+                    <a:lstStyle/>
+                    <a:p>
+                      <a:pPr algn="ctr" fontAlgn="ctr"/>
+                      <a:r>
+                        <a:rPr lang="en-US" altLang="zh-CN" sz="1200" b="1" i="0" u="none" strike="noStrike">
+                          <a:solidFill>
+                            <a:srgbClr val="000000"/>
+                          </a:solidFill>
+                          <a:effectLst/>
+                          <a:latin typeface="等线" panose="02010600030101010101" pitchFamily="2" charset="-122"/>
+                          <a:ea typeface="等线" panose="02010600030101010101" pitchFamily="2" charset="-122"/>
+                        </a:rPr>
+                        <a:t>1</a:t>
+                      </a:r>
+                    </a:p>
+                  </a:txBody>
+                  <a:tcPr marL="9525" marR="9525" marT="9525" marB="0" anchor="ctr">
+                    <a:lnL w="6350" cap="flat" cmpd="sng" algn="ctr">
+                      <a:solidFill>
+                        <a:srgbClr val="000000"/>
+                      </a:solidFill>
+                      <a:prstDash val="solid"/>
+                      <a:round/>
+                      <a:headEnd type="none" w="med" len="med"/>
+                      <a:tailEnd type="none" w="med" len="med"/>
+                    </a:lnL>
+                    <a:lnR w="6350" cap="flat" cmpd="sng" algn="ctr">
+                      <a:solidFill>
+                        <a:srgbClr val="000000"/>
+                      </a:solidFill>
+                      <a:prstDash val="solid"/>
+                      <a:round/>
+                      <a:headEnd type="none" w="med" len="med"/>
+                      <a:tailEnd type="none" w="med" len="med"/>
+                    </a:lnR>
+                    <a:lnT w="6350" cap="flat" cmpd="sng" algn="ctr">
+                      <a:solidFill>
+                        <a:srgbClr val="000000"/>
+                      </a:solidFill>
+                      <a:prstDash val="solid"/>
+                      <a:round/>
+                      <a:headEnd type="none" w="med" len="med"/>
+                      <a:tailEnd type="none" w="med" len="med"/>
+                    </a:lnT>
+                    <a:lnB w="6350" cap="flat" cmpd="sng" algn="ctr">
+                      <a:solidFill>
+                        <a:srgbClr val="000000"/>
+                      </a:solidFill>
+                      <a:prstDash val="solid"/>
+                      <a:round/>
+                      <a:headEnd type="none" w="med" len="med"/>
+                      <a:tailEnd type="none" w="med" len="med"/>
+                    </a:lnB>
+                    <a:solidFill>
+                      <a:srgbClr val="E2EFDA"/>
+                    </a:solidFill>
+                  </a:tcPr>
+                </a:tc>
+                <a:tc>
+                  <a:txBody>
+                    <a:bodyPr/>
+                    <a:lstStyle/>
+                    <a:p>
+                      <a:pPr algn="l" fontAlgn="ctr"/>
+                      <a:r>
+                        <a:rPr lang="en" sz="1200" b="1" i="0" u="none" strike="noStrike">
+                          <a:solidFill>
+                            <a:srgbClr val="000000"/>
+                          </a:solidFill>
+                          <a:effectLst/>
+                          <a:latin typeface="等线" panose="02010600030101010101" pitchFamily="2" charset="-122"/>
+                          <a:ea typeface="等线" panose="02010600030101010101" pitchFamily="2" charset="-122"/>
+                        </a:rPr>
+                        <a:t>p+0</a:t>
+                      </a:r>
+                    </a:p>
+                  </a:txBody>
+                  <a:tcPr marL="9525" marR="9525" marT="9525" marB="0" anchor="ctr">
+                    <a:lnL w="6350" cap="flat" cmpd="sng" algn="ctr">
+                      <a:solidFill>
+                        <a:srgbClr val="000000"/>
+                      </a:solidFill>
+                      <a:prstDash val="solid"/>
+                      <a:round/>
+                      <a:headEnd type="none" w="med" len="med"/>
+                      <a:tailEnd type="none" w="med" len="med"/>
+                    </a:lnL>
+                    <a:lnR>
+                      <a:noFill/>
+                    </a:lnR>
+                    <a:lnT>
+                      <a:noFill/>
+                    </a:lnT>
+                    <a:lnB>
+                      <a:noFill/>
+                    </a:lnB>
+                  </a:tcPr>
+                </a:tc>
+                <a:extLst>
+                  <a:ext uri="{0D108BD9-81ED-4DB2-BD59-A6C34878D82A}">
+                    <a16:rowId xmlns:a16="http://schemas.microsoft.com/office/drawing/2014/main" val="3248270206"/>
+                  </a:ext>
+                </a:extLst>
+              </a:tr>
+              <a:tr h="274320">
+                <a:tc>
+                  <a:txBody>
+                    <a:bodyPr/>
+                    <a:lstStyle/>
+                    <a:p>
+                      <a:pPr algn="l" fontAlgn="ctr"/>
+                      <a:endParaRPr lang="zh-CN" altLang="en-US" sz="1200" b="1" i="0" u="none" strike="noStrike">
+                        <a:solidFill>
+                          <a:srgbClr val="000000"/>
+                        </a:solidFill>
+                        <a:effectLst/>
+                        <a:latin typeface="等线" panose="02010600030101010101" pitchFamily="2" charset="-122"/>
+                        <a:ea typeface="等线" panose="02010600030101010101" pitchFamily="2" charset="-122"/>
+                      </a:endParaRPr>
+                    </a:p>
+                  </a:txBody>
+                  <a:tcPr marL="9525" marR="9525" marT="9525" marB="0" anchor="ctr">
+                    <a:lnL>
+                      <a:noFill/>
+                    </a:lnL>
+                    <a:lnR>
+                      <a:noFill/>
+                    </a:lnR>
+                    <a:lnT w="6350" cap="flat" cmpd="sng" algn="ctr">
+                      <a:solidFill>
+                        <a:srgbClr val="E7E6E6"/>
+                      </a:solidFill>
+                      <a:prstDash val="solid"/>
+                      <a:round/>
+                      <a:headEnd type="none" w="med" len="med"/>
+                      <a:tailEnd type="none" w="med" len="med"/>
+                    </a:lnT>
+                    <a:lnB>
+                      <a:noFill/>
+                    </a:lnB>
+                  </a:tcPr>
+                </a:tc>
+                <a:tc>
+                  <a:txBody>
+                    <a:bodyPr/>
+                    <a:lstStyle/>
+                    <a:p>
+                      <a:pPr algn="l" fontAlgn="ctr"/>
+                      <a:endParaRPr lang="zh-CN" altLang="en-US" sz="1200" b="1" i="0" u="none" strike="noStrike">
+                        <a:solidFill>
+                          <a:srgbClr val="000000"/>
+                        </a:solidFill>
+                        <a:effectLst/>
+                        <a:latin typeface="等线" panose="02010600030101010101" pitchFamily="2" charset="-122"/>
+                        <a:ea typeface="等线" panose="02010600030101010101" pitchFamily="2" charset="-122"/>
+                      </a:endParaRPr>
+                    </a:p>
+                  </a:txBody>
+                  <a:tcPr marL="9525" marR="9525" marT="9525" marB="0" anchor="ctr">
+                    <a:lnL>
+                      <a:noFill/>
+                    </a:lnL>
+                    <a:lnR w="6350" cap="flat" cmpd="sng" algn="ctr">
+                      <a:solidFill>
+                        <a:srgbClr val="000000"/>
+                      </a:solidFill>
+                      <a:prstDash val="solid"/>
+                      <a:round/>
+                      <a:headEnd type="none" w="med" len="med"/>
+                      <a:tailEnd type="none" w="med" len="med"/>
+                    </a:lnR>
+                    <a:lnT w="6350" cap="flat" cmpd="sng" algn="ctr">
+                      <a:solidFill>
+                        <a:srgbClr val="E7E6E6"/>
+                      </a:solidFill>
+                      <a:prstDash val="solid"/>
+                      <a:round/>
+                      <a:headEnd type="none" w="med" len="med"/>
+                      <a:tailEnd type="none" w="med" len="med"/>
+                    </a:lnT>
+                    <a:lnB>
+                      <a:noFill/>
+                    </a:lnB>
+                  </a:tcPr>
+                </a:tc>
+                <a:tc>
+                  <a:txBody>
+                    <a:bodyPr/>
+                    <a:lstStyle/>
+                    <a:p>
+                      <a:pPr algn="l" fontAlgn="ctr"/>
+                      <a:r>
+                        <a:rPr lang="zh-CN" altLang="en-US" sz="1200" b="1" i="0" u="none" strike="noStrike">
+                          <a:solidFill>
+                            <a:srgbClr val="000000"/>
+                          </a:solidFill>
+                          <a:effectLst/>
+                          <a:latin typeface="等线" panose="02010600030101010101" pitchFamily="2" charset="-122"/>
+                          <a:ea typeface="等线" panose="02010600030101010101" pitchFamily="2" charset="-122"/>
+                        </a:rPr>
+                        <a:t>　</a:t>
+                      </a:r>
+                    </a:p>
+                  </a:txBody>
+                  <a:tcPr marL="9525" marR="9525" marT="9525" marB="0" anchor="ctr">
+                    <a:lnL w="6350" cap="flat" cmpd="sng" algn="ctr">
+                      <a:solidFill>
+                        <a:srgbClr val="000000"/>
+                      </a:solidFill>
+                      <a:prstDash val="solid"/>
+                      <a:round/>
+                      <a:headEnd type="none" w="med" len="med"/>
+                      <a:tailEnd type="none" w="med" len="med"/>
+                    </a:lnL>
+                    <a:lnR w="6350" cap="flat" cmpd="sng" algn="ctr">
+                      <a:solidFill>
+                        <a:srgbClr val="000000"/>
+                      </a:solidFill>
+                      <a:prstDash val="solid"/>
+                      <a:round/>
+                      <a:headEnd type="none" w="med" len="med"/>
+                      <a:tailEnd type="none" w="med" len="med"/>
+                    </a:lnR>
+                    <a:lnT w="6350" cap="flat" cmpd="sng" algn="ctr">
+                      <a:solidFill>
+                        <a:srgbClr val="000000"/>
+                      </a:solidFill>
+                      <a:prstDash val="solid"/>
+                      <a:round/>
+                      <a:headEnd type="none" w="med" len="med"/>
+                      <a:tailEnd type="none" w="med" len="med"/>
+                    </a:lnT>
+                    <a:lnB w="6350" cap="flat" cmpd="sng" algn="ctr">
+                      <a:solidFill>
+                        <a:srgbClr val="000000"/>
+                      </a:solidFill>
+                      <a:prstDash val="solid"/>
+                      <a:round/>
+                      <a:headEnd type="none" w="med" len="med"/>
+                      <a:tailEnd type="none" w="med" len="med"/>
+                    </a:lnB>
+                  </a:tcPr>
+                </a:tc>
+                <a:tc>
+                  <a:txBody>
+                    <a:bodyPr/>
+                    <a:lstStyle/>
+                    <a:p>
+                      <a:pPr algn="l" fontAlgn="ctr"/>
+                      <a:r>
+                        <a:rPr lang="en" sz="1200" b="1" i="0" u="none" strike="noStrike">
+                          <a:solidFill>
+                            <a:srgbClr val="000000"/>
+                          </a:solidFill>
+                          <a:effectLst/>
+                          <a:latin typeface="等线" panose="02010600030101010101" pitchFamily="2" charset="-122"/>
+                          <a:ea typeface="等线" panose="02010600030101010101" pitchFamily="2" charset="-122"/>
+                        </a:rPr>
+                        <a:t>p-1</a:t>
+                      </a:r>
+                    </a:p>
+                  </a:txBody>
+                  <a:tcPr marL="9525" marR="9525" marT="9525" marB="0" anchor="ctr">
+                    <a:lnL w="6350" cap="flat" cmpd="sng" algn="ctr">
+                      <a:solidFill>
+                        <a:srgbClr val="000000"/>
+                      </a:solidFill>
+                      <a:prstDash val="solid"/>
+                      <a:round/>
+                      <a:headEnd type="none" w="med" len="med"/>
+                      <a:tailEnd type="none" w="med" len="med"/>
+                    </a:lnL>
+                    <a:lnR>
+                      <a:noFill/>
+                    </a:lnR>
+                    <a:lnT>
+                      <a:noFill/>
+                    </a:lnT>
+                    <a:lnB>
+                      <a:noFill/>
+                    </a:lnB>
+                  </a:tcPr>
+                </a:tc>
+                <a:extLst>
+                  <a:ext uri="{0D108BD9-81ED-4DB2-BD59-A6C34878D82A}">
+                    <a16:rowId xmlns:a16="http://schemas.microsoft.com/office/drawing/2014/main" val="3743550392"/>
+                  </a:ext>
+                </a:extLst>
+              </a:tr>
+              <a:tr h="274320">
+                <a:tc>
+                  <a:txBody>
+                    <a:bodyPr/>
+                    <a:lstStyle/>
+                    <a:p>
+                      <a:pPr algn="l" fontAlgn="ctr"/>
+                      <a:endParaRPr lang="zh-CN" altLang="en-US" sz="1200" b="1" i="0" u="none" strike="noStrike">
+                        <a:solidFill>
+                          <a:srgbClr val="000000"/>
+                        </a:solidFill>
+                        <a:effectLst/>
+                        <a:latin typeface="等线" panose="02010600030101010101" pitchFamily="2" charset="-122"/>
+                        <a:ea typeface="等线" panose="02010600030101010101" pitchFamily="2" charset="-122"/>
+                      </a:endParaRPr>
+                    </a:p>
+                  </a:txBody>
+                  <a:tcPr marL="9525" marR="9525" marT="9525" marB="0" anchor="ctr">
+                    <a:lnL>
+                      <a:noFill/>
+                    </a:lnL>
+                    <a:lnR>
+                      <a:noFill/>
+                    </a:lnR>
+                    <a:lnT>
+                      <a:noFill/>
+                    </a:lnT>
+                    <a:lnB>
+                      <a:noFill/>
+                    </a:lnB>
+                  </a:tcPr>
+                </a:tc>
+                <a:tc>
+                  <a:txBody>
+                    <a:bodyPr/>
+                    <a:lstStyle/>
+                    <a:p>
+                      <a:pPr algn="l" fontAlgn="ctr"/>
+                      <a:endParaRPr lang="zh-CN" altLang="en-US" sz="1200" b="1" i="0" u="none" strike="noStrike" dirty="0">
+                        <a:solidFill>
+                          <a:srgbClr val="000000"/>
+                        </a:solidFill>
+                        <a:effectLst/>
+                        <a:latin typeface="等线" panose="02010600030101010101" pitchFamily="2" charset="-122"/>
+                        <a:ea typeface="等线" panose="02010600030101010101" pitchFamily="2" charset="-122"/>
+                      </a:endParaRPr>
+                    </a:p>
+                  </a:txBody>
+                  <a:tcPr marL="9525" marR="9525" marT="9525" marB="0" anchor="ctr">
+                    <a:lnL>
+                      <a:noFill/>
+                    </a:lnL>
+                    <a:lnR w="6350" cap="flat" cmpd="sng" algn="ctr">
+                      <a:solidFill>
+                        <a:srgbClr val="000000"/>
+                      </a:solidFill>
+                      <a:prstDash val="solid"/>
+                      <a:round/>
+                      <a:headEnd type="none" w="med" len="med"/>
+                      <a:tailEnd type="none" w="med" len="med"/>
+                    </a:lnR>
+                    <a:lnT>
+                      <a:noFill/>
+                    </a:lnT>
+                    <a:lnB>
+                      <a:noFill/>
+                    </a:lnB>
+                  </a:tcPr>
+                </a:tc>
+                <a:tc>
+                  <a:txBody>
+                    <a:bodyPr/>
+                    <a:lstStyle/>
+                    <a:p>
+                      <a:pPr algn="l" fontAlgn="ctr"/>
+                      <a:r>
+                        <a:rPr lang="zh-CN" altLang="en-US" sz="1200" b="1" i="0" u="none" strike="noStrike">
+                          <a:solidFill>
+                            <a:srgbClr val="000000"/>
+                          </a:solidFill>
+                          <a:effectLst/>
+                          <a:latin typeface="等线" panose="02010600030101010101" pitchFamily="2" charset="-122"/>
+                          <a:ea typeface="等线" panose="02010600030101010101" pitchFamily="2" charset="-122"/>
+                        </a:rPr>
+                        <a:t>　</a:t>
+                      </a:r>
+                    </a:p>
+                  </a:txBody>
+                  <a:tcPr marL="9525" marR="9525" marT="9525" marB="0" anchor="ctr">
+                    <a:lnL w="6350" cap="flat" cmpd="sng" algn="ctr">
+                      <a:solidFill>
+                        <a:srgbClr val="000000"/>
+                      </a:solidFill>
+                      <a:prstDash val="solid"/>
+                      <a:round/>
+                      <a:headEnd type="none" w="med" len="med"/>
+                      <a:tailEnd type="none" w="med" len="med"/>
+                    </a:lnL>
+                    <a:lnR w="6350" cap="flat" cmpd="sng" algn="ctr">
+                      <a:solidFill>
+                        <a:srgbClr val="000000"/>
+                      </a:solidFill>
+                      <a:prstDash val="solid"/>
+                      <a:round/>
+                      <a:headEnd type="none" w="med" len="med"/>
+                      <a:tailEnd type="none" w="med" len="med"/>
+                    </a:lnR>
+                    <a:lnT w="6350" cap="flat" cmpd="sng" algn="ctr">
+                      <a:solidFill>
+                        <a:srgbClr val="000000"/>
+                      </a:solidFill>
+                      <a:prstDash val="solid"/>
+                      <a:round/>
+                      <a:headEnd type="none" w="med" len="med"/>
+                      <a:tailEnd type="none" w="med" len="med"/>
+                    </a:lnT>
+                    <a:lnB>
+                      <a:noFill/>
+                    </a:lnB>
+                  </a:tcPr>
+                </a:tc>
+                <a:tc>
+                  <a:txBody>
+                    <a:bodyPr/>
+                    <a:lstStyle/>
+                    <a:p>
+                      <a:pPr algn="l" fontAlgn="ctr"/>
+                      <a:endParaRPr lang="zh-CN" altLang="en-US" sz="1200" b="1" i="0" u="none" strike="noStrike" dirty="0">
+                        <a:solidFill>
+                          <a:srgbClr val="000000"/>
+                        </a:solidFill>
+                        <a:effectLst/>
+                        <a:latin typeface="等线" panose="02010600030101010101" pitchFamily="2" charset="-122"/>
+                        <a:ea typeface="等线" panose="02010600030101010101" pitchFamily="2" charset="-122"/>
+                      </a:endParaRPr>
+                    </a:p>
+                  </a:txBody>
+                  <a:tcPr marL="9525" marR="9525" marT="9525" marB="0" anchor="ctr">
+                    <a:lnL w="6350" cap="flat" cmpd="sng" algn="ctr">
+                      <a:solidFill>
+                        <a:srgbClr val="000000"/>
+                      </a:solidFill>
+                      <a:prstDash val="solid"/>
+                      <a:round/>
+                      <a:headEnd type="none" w="med" len="med"/>
+                      <a:tailEnd type="none" w="med" len="med"/>
+                    </a:lnL>
+                    <a:lnR>
+                      <a:noFill/>
+                    </a:lnR>
+                    <a:lnT>
+                      <a:noFill/>
+                    </a:lnT>
+                    <a:lnB>
+                      <a:noFill/>
+                    </a:lnB>
+                  </a:tcPr>
+                </a:tc>
+                <a:extLst>
+                  <a:ext uri="{0D108BD9-81ED-4DB2-BD59-A6C34878D82A}">
+                    <a16:rowId xmlns:a16="http://schemas.microsoft.com/office/drawing/2014/main" val="2365457019"/>
+                  </a:ext>
+                </a:extLst>
+              </a:tr>
+            </a:tbl>
+          </a:graphicData>
+        </a:graphic>
+      </p:graphicFrame>
     </p:spTree>
     <p:extLst>
       <p:ext uri="{BB962C8B-B14F-4D97-AF65-F5344CB8AC3E}">
@@ -19559,6 +21295,129 @@
   <p:clrMapOvr>
     <a:masterClrMapping/>
   </p:clrMapOvr>
+  <p:timing>
+    <p:tnLst>
+      <p:par>
+        <p:cTn id="1" dur="indefinite" restart="never" nodeType="tmRoot">
+          <p:childTnLst>
+            <p:seq concurrent="1" nextAc="seek">
+              <p:cTn id="2" dur="indefinite" nodeType="mainSeq">
+                <p:childTnLst>
+                  <p:par>
+                    <p:cTn id="3" fill="hold">
+                      <p:stCondLst>
+                        <p:cond delay="indefinite"/>
+                      </p:stCondLst>
+                      <p:childTnLst>
+                        <p:par>
+                          <p:cTn id="4" fill="hold">
+                            <p:stCondLst>
+                              <p:cond delay="0"/>
+                            </p:stCondLst>
+                            <p:childTnLst>
+                              <p:par>
+                                <p:cTn id="5" presetID="1" presetClass="entr" presetSubtype="0" fill="hold" nodeType="clickEffect">
+                                  <p:stCondLst>
+                                    <p:cond delay="0"/>
+                                  </p:stCondLst>
+                                  <p:childTnLst>
+                                    <p:set>
+                                      <p:cBhvr>
+                                        <p:cTn id="6" dur="1" fill="hold">
+                                          <p:stCondLst>
+                                            <p:cond delay="0"/>
+                                          </p:stCondLst>
+                                        </p:cTn>
+                                        <p:tgtEl>
+                                          <p:spTgt spid="6"/>
+                                        </p:tgtEl>
+                                        <p:attrNameLst>
+                                          <p:attrName>style.visibility</p:attrName>
+                                        </p:attrNameLst>
+                                      </p:cBhvr>
+                                      <p:to>
+                                        <p:strVal val="visible"/>
+                                      </p:to>
+                                    </p:set>
+                                  </p:childTnLst>
+                                </p:cTn>
+                              </p:par>
+                            </p:childTnLst>
+                          </p:cTn>
+                        </p:par>
+                      </p:childTnLst>
+                    </p:cTn>
+                  </p:par>
+                  <p:par>
+                    <p:cTn id="7" fill="hold">
+                      <p:stCondLst>
+                        <p:cond delay="indefinite"/>
+                      </p:stCondLst>
+                      <p:childTnLst>
+                        <p:par>
+                          <p:cTn id="8" fill="hold">
+                            <p:stCondLst>
+                              <p:cond delay="0"/>
+                            </p:stCondLst>
+                            <p:childTnLst>
+                              <p:par>
+                                <p:cTn id="9" presetID="1" presetClass="entr" presetSubtype="0" fill="hold" grpId="0" nodeType="clickEffect">
+                                  <p:stCondLst>
+                                    <p:cond delay="0"/>
+                                  </p:stCondLst>
+                                  <p:childTnLst>
+                                    <p:set>
+                                      <p:cBhvr>
+                                        <p:cTn id="10" dur="1" fill="hold">
+                                          <p:stCondLst>
+                                            <p:cond delay="0"/>
+                                          </p:stCondLst>
+                                        </p:cTn>
+                                        <p:tgtEl>
+                                          <p:spTgt spid="4"/>
+                                        </p:tgtEl>
+                                        <p:attrNameLst>
+                                          <p:attrName>style.visibility</p:attrName>
+                                        </p:attrNameLst>
+                                      </p:cBhvr>
+                                      <p:to>
+                                        <p:strVal val="visible"/>
+                                      </p:to>
+                                    </p:set>
+                                  </p:childTnLst>
+                                </p:cTn>
+                              </p:par>
+                            </p:childTnLst>
+                          </p:cTn>
+                        </p:par>
+                      </p:childTnLst>
+                    </p:cTn>
+                  </p:par>
+                </p:childTnLst>
+              </p:cTn>
+              <p:prevCondLst>
+                <p:cond evt="onPrev" delay="0">
+                  <p:tgtEl>
+                    <p:sldTgt/>
+                  </p:tgtEl>
+                </p:cond>
+              </p:prevCondLst>
+              <p:nextCondLst>
+                <p:cond evt="onNext" delay="0">
+                  <p:tgtEl>
+                    <p:sldTgt/>
+                  </p:tgtEl>
+                </p:cond>
+              </p:nextCondLst>
+            </p:seq>
+          </p:childTnLst>
+        </p:cTn>
+      </p:par>
+    </p:tnLst>
+    <p:bldLst>
+      <p:bldP spid="4" grpId="0" animBg="1"/>
+    </p:bldLst>
+  </p:timing>
 </p:sld>
 </file>
 
@@ -22796,7 +24655,7 @@
         </p:nvSpPr>
         <p:spPr>
           <a:xfrm>
-            <a:off x="1146048" y="2588295"/>
+            <a:off x="1146048" y="2517955"/>
             <a:ext cx="8308848" cy="2585323"/>
           </a:xfrm>
           <a:prstGeom prst="rect">
@@ -23290,8 +25149,8 @@
         </p:nvSpPr>
         <p:spPr>
           <a:xfrm>
-            <a:off x="1146048" y="5354195"/>
-            <a:ext cx="6096000" cy="1477328"/>
+            <a:off x="1146048" y="5173618"/>
+            <a:ext cx="6096000" cy="1754326"/>
           </a:xfrm>
           <a:prstGeom prst="rect">
             <a:avLst/>
@@ -23367,6 +25226,44 @@
                 <a:latin typeface="Menlo" panose="020B0609030804020204" pitchFamily="49" charset="0"/>
               </a:rPr>
             </a:br>
+            <a:r>
+              <a:rPr lang="en" altLang="zh-CN" dirty="0">
+                <a:solidFill>
+                  <a:srgbClr val="0000FF"/>
+                </a:solidFill>
+                <a:latin typeface="Menlo" panose="020B0609030804020204" pitchFamily="49" charset="0"/>
+              </a:rPr>
+              <a:t>unsigned</a:t>
+            </a:r>
+            <a:r>
+              <a:rPr lang="en" altLang="zh-CN" dirty="0">
+                <a:solidFill>
+                  <a:srgbClr val="000000"/>
+                </a:solidFill>
+                <a:latin typeface="Menlo" panose="020B0609030804020204" pitchFamily="49" charset="0"/>
+              </a:rPr>
+              <a:t> </a:t>
+            </a:r>
+            <a:r>
+              <a:rPr lang="en" altLang="zh-CN" dirty="0">
+                <a:solidFill>
+                  <a:srgbClr val="0000FF"/>
+                </a:solidFill>
+                <a:latin typeface="Menlo" panose="020B0609030804020204" pitchFamily="49" charset="0"/>
+              </a:rPr>
+              <a:t>char </a:t>
+            </a:r>
+            <a:r>
+              <a:rPr lang="en" altLang="zh-CN" dirty="0">
+                <a:solidFill>
+                  <a:srgbClr val="001080"/>
+                </a:solidFill>
+                <a:latin typeface="Menlo" panose="020B0609030804020204" pitchFamily="49" charset="0"/>
+              </a:rPr>
+              <a:t>color[3];</a:t>
+            </a:r>
+          </a:p>
+          <a:p>
             <a:r>
               <a:rPr lang="en" altLang="zh-CN" dirty="0">
                 <a:solidFill>
@@ -24626,7 +26523,11 @@
           <a:p>
             <a:r>
               <a:rPr kumimoji="1" lang="en-US" altLang="zh-CN" dirty="0"/>
-              <a:t>Its element type can be any fundamental type (int, float, boo, </a:t>
+              <a:t>Its element type can be any fundamental type (int, float</a:t>
+            </a:r>
+            <a:r>
+              <a:rPr kumimoji="1" lang="en-US" altLang="zh-CN"/>
+              <a:t>, bool, </a:t>
             </a:r>
             <a:r>
               <a:rPr kumimoji="1" lang="en-US" altLang="zh-CN" dirty="0" err="1"/>
@@ -24999,6 +26900,81 @@
   <p:clrMapOvr>
     <a:masterClrMapping/>
   </p:clrMapOvr>
+  <p:timing>
+    <p:tnLst>
+      <p:par>
+        <p:cTn id="1" dur="indefinite" restart="never" nodeType="tmRoot">
+          <p:childTnLst>
+            <p:seq concurrent="1" nextAc="seek">
+              <p:cTn id="2" dur="indefinite" nodeType="mainSeq">
+                <p:childTnLst>
+                  <p:par>
+                    <p:cTn id="3" fill="hold">
+                      <p:stCondLst>
+                        <p:cond delay="indefinite"/>
+                      </p:stCondLst>
+                      <p:childTnLst>
+                        <p:par>
+                          <p:cTn id="4" fill="hold">
+                            <p:stCondLst>
+                              <p:cond delay="0"/>
+                            </p:stCondLst>
+                            <p:childTnLst>
+                              <p:par>
+                                <p:cTn id="5" presetID="1" presetClass="entr" presetSubtype="0" fill="hold" nodeType="clickEffect">
+                                  <p:stCondLst>
+                                    <p:cond delay="0"/>
+                                  </p:stCondLst>
+                                  <p:childTnLst>
+                                    <p:set>
+                                      <p:cBhvr>
+                                        <p:cTn id="6" dur="1" fill="hold">
+                                          <p:stCondLst>
+                                            <p:cond delay="0"/>
+                                          </p:stCondLst>
+                                        </p:cTn>
+                                        <p:tgtEl>
+                                          <p:spTgt spid="6"/>
+                                        </p:tgtEl>
+                                        <p:attrNameLst>
+                                          <p:attrName>style.visibility</p:attrName>
+                                        </p:attrNameLst>
+                                      </p:cBhvr>
+                                      <p:to>
+                                        <p:strVal val="visible"/>
+                                      </p:to>
+                                    </p:set>
+                                  </p:childTnLst>
+                                </p:cTn>
+                              </p:par>
+                            </p:childTnLst>
+                          </p:cTn>
+                        </p:par>
+                      </p:childTnLst>
+                    </p:cTn>
+                  </p:par>
+                </p:childTnLst>
+              </p:cTn>
+              <p:prevCondLst>
+                <p:cond evt="onPrev" delay="0">
+                  <p:tgtEl>
+                    <p:sldTgt/>
+                  </p:tgtEl>
+                </p:cond>
+              </p:prevCondLst>
+              <p:nextCondLst>
+                <p:cond evt="onNext" delay="0">
+                  <p:tgtEl>
+                    <p:sldTgt/>
+                  </p:tgtEl>
+                </p:cond>
+              </p:nextCondLst>
+            </p:seq>
+          </p:childTnLst>
+        </p:cTn>
+      </p:par>
+    </p:tnLst>
+  </p:timing>
 </p:sld>
 </file>
 
@@ -25098,7 +27074,7 @@
         <p:spPr>
           <a:xfrm>
             <a:off x="955962" y="2668683"/>
-            <a:ext cx="10210801" cy="2308324"/>
+            <a:ext cx="10210801" cy="2585323"/>
           </a:xfrm>
           <a:prstGeom prst="rect">
             <a:avLst/>
@@ -25503,6 +27479,17 @@
                 <a:latin typeface="Menlo" panose="020B0609030804020204" pitchFamily="49" charset="0"/>
               </a:rPr>
               <a:t> </a:t>
+            </a:r>
+          </a:p>
+          <a:p>
+            <a:r>
+              <a:rPr lang="en" altLang="zh-CN" dirty="0">
+                <a:solidFill>
+                  <a:srgbClr val="000000"/>
+                </a:solidFill>
+                <a:latin typeface="Menlo" panose="020B0609030804020204" pitchFamily="49" charset="0"/>
+              </a:rPr>
+              <a:t>            </a:t>
             </a:r>
             <a:r>
               <a:rPr lang="en" altLang="zh-CN" dirty="0">
@@ -31130,13 +33117,13 @@
             <p:ph idx="1"/>
             <p:extLst>
               <p:ext uri="{D42A27DB-BD31-4B8C-83A1-F6EECF244321}">
-                <p14:modId xmlns:p14="http://schemas.microsoft.com/office/powerpoint/2010/main" val="2782999959"/>
+                <p14:modId xmlns:p14="http://schemas.microsoft.com/office/powerpoint/2010/main" val="450499340"/>
               </p:ext>
             </p:extLst>
           </p:nvPr>
         </p:nvGraphicFramePr>
         <p:xfrm>
-          <a:off x="7086333" y="147275"/>
+          <a:off x="6819041" y="147275"/>
           <a:ext cx="2618106" cy="6592742"/>
         </p:xfrm>
         <a:graphic>

--- a/week04/Lecture04.pptx
+++ b/week04/Lecture04.pptx
@@ -219,7 +219,7 @@
           <a:p>
             <a:fld id="{634F3F22-B4BB-3F48-9180-464A9F2D66D1}" type="datetimeFigureOut">
               <a:rPr kumimoji="1" lang="zh-CN" altLang="en-US" smtClean="0"/>
-              <a:t>2021/9/27</a:t>
+              <a:t>2022/9/27</a:t>
             </a:fld>
             <a:endParaRPr kumimoji="1" lang="zh-CN" altLang="en-US"/>
           </a:p>
@@ -699,7 +699,7 @@
           <a:p>
             <a:fld id="{FC19A4FA-3D9A-4114-B0D5-759CBD56F1AB}" type="datetimeFigureOut">
               <a:rPr lang="zh-CN" altLang="en-US" smtClean="0"/>
-              <a:t>2021/9/27</a:t>
+              <a:t>2022/9/27</a:t>
             </a:fld>
             <a:endParaRPr lang="zh-CN" altLang="en-US"/>
           </a:p>
@@ -902,7 +902,7 @@
           <a:p>
             <a:fld id="{FC19A4FA-3D9A-4114-B0D5-759CBD56F1AB}" type="datetimeFigureOut">
               <a:rPr lang="zh-CN" altLang="en-US" smtClean="0"/>
-              <a:t>2021/9/27</a:t>
+              <a:t>2022/9/27</a:t>
             </a:fld>
             <a:endParaRPr lang="zh-CN" altLang="en-US"/>
           </a:p>
@@ -1080,7 +1080,7 @@
           <a:p>
             <a:fld id="{FC19A4FA-3D9A-4114-B0D5-759CBD56F1AB}" type="datetimeFigureOut">
               <a:rPr lang="zh-CN" altLang="en-US" smtClean="0"/>
-              <a:t>2021/9/27</a:t>
+              <a:t>2022/9/27</a:t>
             </a:fld>
             <a:endParaRPr lang="zh-CN" altLang="en-US"/>
           </a:p>
@@ -1304,7 +1304,7 @@
           <a:p>
             <a:fld id="{FC19A4FA-3D9A-4114-B0D5-759CBD56F1AB}" type="datetimeFigureOut">
               <a:rPr lang="zh-CN" altLang="en-US" smtClean="0"/>
-              <a:t>2021/9/27</a:t>
+              <a:t>2022/9/27</a:t>
             </a:fld>
             <a:endParaRPr lang="zh-CN" altLang="en-US"/>
           </a:p>
@@ -1538,7 +1538,7 @@
           <a:p>
             <a:fld id="{FC19A4FA-3D9A-4114-B0D5-759CBD56F1AB}" type="datetimeFigureOut">
               <a:rPr lang="zh-CN" altLang="en-US" smtClean="0"/>
-              <a:t>2021/9/27</a:t>
+              <a:t>2022/9/27</a:t>
             </a:fld>
             <a:endParaRPr lang="zh-CN" altLang="en-US"/>
           </a:p>
@@ -1937,7 +1937,7 @@
           <a:p>
             <a:fld id="{FC19A4FA-3D9A-4114-B0D5-759CBD56F1AB}" type="datetimeFigureOut">
               <a:rPr lang="zh-CN" altLang="en-US" smtClean="0"/>
-              <a:t>2021/9/27</a:t>
+              <a:t>2022/9/27</a:t>
             </a:fld>
             <a:endParaRPr lang="zh-CN" altLang="en-US"/>
           </a:p>
@@ -2217,7 +2217,7 @@
           <a:p>
             <a:fld id="{FC19A4FA-3D9A-4114-B0D5-759CBD56F1AB}" type="datetimeFigureOut">
               <a:rPr lang="zh-CN" altLang="en-US" smtClean="0"/>
-              <a:t>2021/9/27</a:t>
+              <a:t>2022/9/27</a:t>
             </a:fld>
             <a:endParaRPr lang="zh-CN" altLang="en-US"/>
           </a:p>
@@ -2369,7 +2369,7 @@
           <a:p>
             <a:fld id="{FC19A4FA-3D9A-4114-B0D5-759CBD56F1AB}" type="datetimeFigureOut">
               <a:rPr lang="zh-CN" altLang="en-US" smtClean="0"/>
-              <a:t>2021/9/27</a:t>
+              <a:t>2022/9/27</a:t>
             </a:fld>
             <a:endParaRPr lang="zh-CN" altLang="en-US"/>
           </a:p>
@@ -2499,7 +2499,7 @@
           <a:p>
             <a:fld id="{FC19A4FA-3D9A-4114-B0D5-759CBD56F1AB}" type="datetimeFigureOut">
               <a:rPr lang="zh-CN" altLang="en-US" smtClean="0"/>
-              <a:t>2021/9/27</a:t>
+              <a:t>2022/9/27</a:t>
             </a:fld>
             <a:endParaRPr lang="zh-CN" altLang="en-US"/>
           </a:p>
@@ -2809,7 +2809,7 @@
           <a:p>
             <a:fld id="{FC19A4FA-3D9A-4114-B0D5-759CBD56F1AB}" type="datetimeFigureOut">
               <a:rPr lang="zh-CN" altLang="en-US" smtClean="0"/>
-              <a:t>2021/9/27</a:t>
+              <a:t>2022/9/27</a:t>
             </a:fld>
             <a:endParaRPr lang="zh-CN" altLang="en-US"/>
           </a:p>
@@ -3096,7 +3096,7 @@
           <a:p>
             <a:fld id="{FC19A4FA-3D9A-4114-B0D5-759CBD56F1AB}" type="datetimeFigureOut">
               <a:rPr lang="zh-CN" altLang="en-US" smtClean="0"/>
-              <a:t>2021/9/27</a:t>
+              <a:t>2022/9/27</a:t>
             </a:fld>
             <a:endParaRPr lang="zh-CN" altLang="en-US"/>
           </a:p>
@@ -3389,7 +3389,7 @@
           <a:p>
             <a:fld id="{FC19A4FA-3D9A-4114-B0D5-759CBD56F1AB}" type="datetimeFigureOut">
               <a:rPr lang="zh-CN" altLang="en-US" smtClean="0"/>
-              <a:t>2021/9/27</a:t>
+              <a:t>2022/9/27</a:t>
             </a:fld>
             <a:endParaRPr lang="zh-CN" altLang="en-US"/>
           </a:p>

--- a/week04/Lecture04.pptx
+++ b/week04/Lecture04.pptx
@@ -219,7 +219,7 @@
           <a:p>
             <a:fld id="{634F3F22-B4BB-3F48-9180-464A9F2D66D1}" type="datetimeFigureOut">
               <a:rPr kumimoji="1" lang="zh-CN" altLang="en-US" smtClean="0"/>
-              <a:t>2022/9/27</a:t>
+              <a:t>2023/3/8</a:t>
             </a:fld>
             <a:endParaRPr kumimoji="1" lang="zh-CN" altLang="en-US"/>
           </a:p>
@@ -699,7 +699,7 @@
           <a:p>
             <a:fld id="{FC19A4FA-3D9A-4114-B0D5-759CBD56F1AB}" type="datetimeFigureOut">
               <a:rPr lang="zh-CN" altLang="en-US" smtClean="0"/>
-              <a:t>2022/9/27</a:t>
+              <a:t>2023/3/8</a:t>
             </a:fld>
             <a:endParaRPr lang="zh-CN" altLang="en-US"/>
           </a:p>
@@ -902,7 +902,7 @@
           <a:p>
             <a:fld id="{FC19A4FA-3D9A-4114-B0D5-759CBD56F1AB}" type="datetimeFigureOut">
               <a:rPr lang="zh-CN" altLang="en-US" smtClean="0"/>
-              <a:t>2022/9/27</a:t>
+              <a:t>2023/3/8</a:t>
             </a:fld>
             <a:endParaRPr lang="zh-CN" altLang="en-US"/>
           </a:p>
@@ -1080,7 +1080,7 @@
           <a:p>
             <a:fld id="{FC19A4FA-3D9A-4114-B0D5-759CBD56F1AB}" type="datetimeFigureOut">
               <a:rPr lang="zh-CN" altLang="en-US" smtClean="0"/>
-              <a:t>2022/9/27</a:t>
+              <a:t>2023/3/8</a:t>
             </a:fld>
             <a:endParaRPr lang="zh-CN" altLang="en-US"/>
           </a:p>
@@ -1304,7 +1304,7 @@
           <a:p>
             <a:fld id="{FC19A4FA-3D9A-4114-B0D5-759CBD56F1AB}" type="datetimeFigureOut">
               <a:rPr lang="zh-CN" altLang="en-US" smtClean="0"/>
-              <a:t>2022/9/27</a:t>
+              <a:t>2023/3/8</a:t>
             </a:fld>
             <a:endParaRPr lang="zh-CN" altLang="en-US"/>
           </a:p>
@@ -1538,7 +1538,7 @@
           <a:p>
             <a:fld id="{FC19A4FA-3D9A-4114-B0D5-759CBD56F1AB}" type="datetimeFigureOut">
               <a:rPr lang="zh-CN" altLang="en-US" smtClean="0"/>
-              <a:t>2022/9/27</a:t>
+              <a:t>2023/3/8</a:t>
             </a:fld>
             <a:endParaRPr lang="zh-CN" altLang="en-US"/>
           </a:p>
@@ -1937,7 +1937,7 @@
           <a:p>
             <a:fld id="{FC19A4FA-3D9A-4114-B0D5-759CBD56F1AB}" type="datetimeFigureOut">
               <a:rPr lang="zh-CN" altLang="en-US" smtClean="0"/>
-              <a:t>2022/9/27</a:t>
+              <a:t>2023/3/8</a:t>
             </a:fld>
             <a:endParaRPr lang="zh-CN" altLang="en-US"/>
           </a:p>
@@ -2217,7 +2217,7 @@
           <a:p>
             <a:fld id="{FC19A4FA-3D9A-4114-B0D5-759CBD56F1AB}" type="datetimeFigureOut">
               <a:rPr lang="zh-CN" altLang="en-US" smtClean="0"/>
-              <a:t>2022/9/27</a:t>
+              <a:t>2023/3/8</a:t>
             </a:fld>
             <a:endParaRPr lang="zh-CN" altLang="en-US"/>
           </a:p>
@@ -2369,7 +2369,7 @@
           <a:p>
             <a:fld id="{FC19A4FA-3D9A-4114-B0D5-759CBD56F1AB}" type="datetimeFigureOut">
               <a:rPr lang="zh-CN" altLang="en-US" smtClean="0"/>
-              <a:t>2022/9/27</a:t>
+              <a:t>2023/3/8</a:t>
             </a:fld>
             <a:endParaRPr lang="zh-CN" altLang="en-US"/>
           </a:p>
@@ -2499,7 +2499,7 @@
           <a:p>
             <a:fld id="{FC19A4FA-3D9A-4114-B0D5-759CBD56F1AB}" type="datetimeFigureOut">
               <a:rPr lang="zh-CN" altLang="en-US" smtClean="0"/>
-              <a:t>2022/9/27</a:t>
+              <a:t>2023/3/8</a:t>
             </a:fld>
             <a:endParaRPr lang="zh-CN" altLang="en-US"/>
           </a:p>
@@ -2809,7 +2809,7 @@
           <a:p>
             <a:fld id="{FC19A4FA-3D9A-4114-B0D5-759CBD56F1AB}" type="datetimeFigureOut">
               <a:rPr lang="zh-CN" altLang="en-US" smtClean="0"/>
-              <a:t>2022/9/27</a:t>
+              <a:t>2023/3/8</a:t>
             </a:fld>
             <a:endParaRPr lang="zh-CN" altLang="en-US"/>
           </a:p>
@@ -3096,7 +3096,7 @@
           <a:p>
             <a:fld id="{FC19A4FA-3D9A-4114-B0D5-759CBD56F1AB}" type="datetimeFigureOut">
               <a:rPr lang="zh-CN" altLang="en-US" smtClean="0"/>
-              <a:t>2022/9/27</a:t>
+              <a:t>2023/3/8</a:t>
             </a:fld>
             <a:endParaRPr lang="zh-CN" altLang="en-US"/>
           </a:p>
@@ -3389,7 +3389,7 @@
           <a:p>
             <a:fld id="{FC19A4FA-3D9A-4114-B0D5-759CBD56F1AB}" type="datetimeFigureOut">
               <a:rPr lang="zh-CN" altLang="en-US" smtClean="0"/>
-              <a:t>2022/9/27</a:t>
+              <a:t>2023/3/8</a:t>
             </a:fld>
             <a:endParaRPr lang="zh-CN" altLang="en-US"/>
           </a:p>
@@ -13124,7 +13124,7 @@
                 </a:solidFill>
                 <a:latin typeface="Menlo" panose="020B0609030804020204" pitchFamily="49" charset="0"/>
               </a:rPr>
-              <a:t>height</a:t>
+              <a:t>weight</a:t>
             </a:r>
             <a:r>
               <a:rPr lang="en" altLang="zh-CN" dirty="0">
@@ -13329,7 +13329,7 @@
                 </a:solidFill>
                 <a:latin typeface="Menlo" panose="020B0609030804020204" pitchFamily="49" charset="0"/>
               </a:rPr>
-              <a:t>height</a:t>
+              <a:t>weight</a:t>
             </a:r>
             <a:r>
               <a:rPr lang="en" altLang="zh-CN" dirty="0">
@@ -19013,25 +19013,43 @@
                 </a:solidFill>
                 <a:latin typeface="Menlo" panose="020B0609030804020204" pitchFamily="49" charset="0"/>
               </a:rPr>
-              <a:t>    float</a:t>
+              <a:t>    </a:t>
+            </a:r>
+            <a:r>
+              <a:rPr lang="en" altLang="zh-CN" sz="2000">
+                <a:solidFill>
+                  <a:srgbClr val="0000FF"/>
+                </a:solidFill>
+                <a:latin typeface="Menlo" panose="020B0609030804020204" pitchFamily="49" charset="0"/>
+              </a:rPr>
+              <a:t>float</a:t>
+            </a:r>
+            <a:r>
+              <a:rPr lang="en" altLang="zh-CN" sz="2000">
+                <a:solidFill>
+                  <a:srgbClr val="000000"/>
+                </a:solidFill>
+                <a:latin typeface="Menlo" panose="020B0609030804020204" pitchFamily="49" charset="0"/>
+              </a:rPr>
+              <a:t> </a:t>
             </a:r>
             <a:r>
               <a:rPr lang="en" altLang="zh-CN" sz="2000" dirty="0">
                 <a:solidFill>
-                  <a:srgbClr val="000000"/>
-                </a:solidFill>
-                <a:latin typeface="Menlo" panose="020B0609030804020204" pitchFamily="49" charset="0"/>
-              </a:rPr>
-              <a:t> </a:t>
-            </a:r>
-            <a:r>
-              <a:rPr lang="en" altLang="zh-CN" sz="2000" dirty="0">
-                <a:solidFill>
                   <a:srgbClr val="001080"/>
                 </a:solidFill>
                 <a:latin typeface="Menlo" panose="020B0609030804020204" pitchFamily="49" charset="0"/>
               </a:rPr>
-              <a:t>height</a:t>
+              <a:t>w</a:t>
+            </a:r>
+            <a:r>
+              <a:rPr lang="en" altLang="zh-CN" sz="2000">
+                <a:solidFill>
+                  <a:srgbClr val="001080"/>
+                </a:solidFill>
+                <a:latin typeface="Menlo" panose="020B0609030804020204" pitchFamily="49" charset="0"/>
+              </a:rPr>
+              <a:t>eight</a:t>
             </a:r>
             <a:r>
               <a:rPr lang="en" altLang="zh-CN" sz="2000" dirty="0">

--- a/week04/Lecture04.pptx
+++ b/week04/Lecture04.pptx
@@ -219,7 +219,7 @@
           <a:p>
             <a:fld id="{634F3F22-B4BB-3F48-9180-464A9F2D66D1}" type="datetimeFigureOut">
               <a:rPr kumimoji="1" lang="zh-CN" altLang="en-US" smtClean="0"/>
-              <a:t>2023/3/8</a:t>
+              <a:t>2023/8/27</a:t>
             </a:fld>
             <a:endParaRPr kumimoji="1" lang="zh-CN" altLang="en-US"/>
           </a:p>
@@ -699,7 +699,7 @@
           <a:p>
             <a:fld id="{FC19A4FA-3D9A-4114-B0D5-759CBD56F1AB}" type="datetimeFigureOut">
               <a:rPr lang="zh-CN" altLang="en-US" smtClean="0"/>
-              <a:t>2023/3/8</a:t>
+              <a:t>2023/8/27</a:t>
             </a:fld>
             <a:endParaRPr lang="zh-CN" altLang="en-US"/>
           </a:p>
@@ -902,7 +902,7 @@
           <a:p>
             <a:fld id="{FC19A4FA-3D9A-4114-B0D5-759CBD56F1AB}" type="datetimeFigureOut">
               <a:rPr lang="zh-CN" altLang="en-US" smtClean="0"/>
-              <a:t>2023/3/8</a:t>
+              <a:t>2023/8/27</a:t>
             </a:fld>
             <a:endParaRPr lang="zh-CN" altLang="en-US"/>
           </a:p>
@@ -1080,7 +1080,7 @@
           <a:p>
             <a:fld id="{FC19A4FA-3D9A-4114-B0D5-759CBD56F1AB}" type="datetimeFigureOut">
               <a:rPr lang="zh-CN" altLang="en-US" smtClean="0"/>
-              <a:t>2023/3/8</a:t>
+              <a:t>2023/8/27</a:t>
             </a:fld>
             <a:endParaRPr lang="zh-CN" altLang="en-US"/>
           </a:p>
@@ -1304,7 +1304,7 @@
           <a:p>
             <a:fld id="{FC19A4FA-3D9A-4114-B0D5-759CBD56F1AB}" type="datetimeFigureOut">
               <a:rPr lang="zh-CN" altLang="en-US" smtClean="0"/>
-              <a:t>2023/3/8</a:t>
+              <a:t>2023/8/27</a:t>
             </a:fld>
             <a:endParaRPr lang="zh-CN" altLang="en-US"/>
           </a:p>
@@ -1538,7 +1538,7 @@
           <a:p>
             <a:fld id="{FC19A4FA-3D9A-4114-B0D5-759CBD56F1AB}" type="datetimeFigureOut">
               <a:rPr lang="zh-CN" altLang="en-US" smtClean="0"/>
-              <a:t>2023/3/8</a:t>
+              <a:t>2023/8/27</a:t>
             </a:fld>
             <a:endParaRPr lang="zh-CN" altLang="en-US"/>
           </a:p>
@@ -1937,7 +1937,7 @@
           <a:p>
             <a:fld id="{FC19A4FA-3D9A-4114-B0D5-759CBD56F1AB}" type="datetimeFigureOut">
               <a:rPr lang="zh-CN" altLang="en-US" smtClean="0"/>
-              <a:t>2023/3/8</a:t>
+              <a:t>2023/8/27</a:t>
             </a:fld>
             <a:endParaRPr lang="zh-CN" altLang="en-US"/>
           </a:p>
@@ -2217,7 +2217,7 @@
           <a:p>
             <a:fld id="{FC19A4FA-3D9A-4114-B0D5-759CBD56F1AB}" type="datetimeFigureOut">
               <a:rPr lang="zh-CN" altLang="en-US" smtClean="0"/>
-              <a:t>2023/3/8</a:t>
+              <a:t>2023/8/27</a:t>
             </a:fld>
             <a:endParaRPr lang="zh-CN" altLang="en-US"/>
           </a:p>
@@ -2369,7 +2369,7 @@
           <a:p>
             <a:fld id="{FC19A4FA-3D9A-4114-B0D5-759CBD56F1AB}" type="datetimeFigureOut">
               <a:rPr lang="zh-CN" altLang="en-US" smtClean="0"/>
-              <a:t>2023/3/8</a:t>
+              <a:t>2023/8/27</a:t>
             </a:fld>
             <a:endParaRPr lang="zh-CN" altLang="en-US"/>
           </a:p>
@@ -2499,7 +2499,7 @@
           <a:p>
             <a:fld id="{FC19A4FA-3D9A-4114-B0D5-759CBD56F1AB}" type="datetimeFigureOut">
               <a:rPr lang="zh-CN" altLang="en-US" smtClean="0"/>
-              <a:t>2023/3/8</a:t>
+              <a:t>2023/8/27</a:t>
             </a:fld>
             <a:endParaRPr lang="zh-CN" altLang="en-US"/>
           </a:p>
@@ -2809,7 +2809,7 @@
           <a:p>
             <a:fld id="{FC19A4FA-3D9A-4114-B0D5-759CBD56F1AB}" type="datetimeFigureOut">
               <a:rPr lang="zh-CN" altLang="en-US" smtClean="0"/>
-              <a:t>2023/3/8</a:t>
+              <a:t>2023/8/27</a:t>
             </a:fld>
             <a:endParaRPr lang="zh-CN" altLang="en-US"/>
           </a:p>
@@ -3096,7 +3096,7 @@
           <a:p>
             <a:fld id="{FC19A4FA-3D9A-4114-B0D5-759CBD56F1AB}" type="datetimeFigureOut">
               <a:rPr lang="zh-CN" altLang="en-US" smtClean="0"/>
-              <a:t>2023/3/8</a:t>
+              <a:t>2023/8/27</a:t>
             </a:fld>
             <a:endParaRPr lang="zh-CN" altLang="en-US"/>
           </a:p>
@@ -3389,7 +3389,7 @@
           <a:p>
             <a:fld id="{FC19A4FA-3D9A-4114-B0D5-759CBD56F1AB}" type="datetimeFigureOut">
               <a:rPr lang="zh-CN" altLang="en-US" smtClean="0"/>
-              <a:t>2023/3/8</a:t>
+              <a:t>2023/8/27</a:t>
             </a:fld>
             <a:endParaRPr lang="zh-CN" altLang="en-US"/>
           </a:p>
@@ -4434,7 +4434,7 @@
                 </a:solidFill>
                 <a:latin typeface="Menlo" panose="020B0609030804020204" pitchFamily="49" charset="0"/>
               </a:rPr>
-              <a:t>, </a:t>
+              <a:t>, '</a:t>
             </a:r>
             <a:r>
               <a:rPr lang="en" altLang="zh-CN" sz="1600" dirty="0">
@@ -4443,7 +4443,16 @@
                 </a:solidFill>
                 <a:latin typeface="Menlo" panose="020B0609030804020204" pitchFamily="49" charset="0"/>
               </a:rPr>
-              <a:t>'g’</a:t>
+              <a:t>g</a:t>
+            </a:r>
+            <a:r>
+              <a:rPr lang="en-US" altLang="zh-CN" sz="1600" dirty="0">
+                <a:solidFill>
+                  <a:srgbClr val="A31515"/>
+                </a:solidFill>
+                <a:latin typeface="Menlo" panose="020B0609030804020204" pitchFamily="49" charset="0"/>
+              </a:rPr>
+              <a:t>'</a:t>
             </a:r>
             <a:r>
               <a:rPr lang="en" altLang="zh-CN" sz="1600" dirty="0">
@@ -5828,18 +5837,9 @@
             </a:r>
             <a:r>
               <a:rPr lang="en" altLang="zh-CN" sz="2000" dirty="0">
-                <a:solidFill>
-                  <a:srgbClr val="008000"/>
-                </a:solidFill>
                 <a:latin typeface="Courier" pitchFamily="2" charset="0"/>
               </a:rPr>
-              <a:t>[]</a:t>
-            </a:r>
-            <a:r>
-              <a:rPr lang="en" altLang="zh-CN" sz="2000" dirty="0">
-                <a:latin typeface="Courier" pitchFamily="2" charset="0"/>
-              </a:rPr>
-              <a:t> s5 </a:t>
+              <a:t> s1[] </a:t>
             </a:r>
             <a:r>
               <a:rPr lang="en" altLang="zh-CN" sz="2000" dirty="0">
@@ -5886,52 +5886,76 @@
               <a:buNone/>
             </a:pPr>
             <a:r>
+              <a:rPr lang="en" altLang="zh-CN" sz="2000">
+                <a:solidFill>
+                  <a:srgbClr val="0000FF"/>
+                </a:solidFill>
+                <a:latin typeface="Courier" pitchFamily="2" charset="0"/>
+              </a:rPr>
+              <a:t>const</a:t>
+            </a:r>
+            <a:r>
+              <a:rPr lang="en" altLang="zh-CN" sz="2000">
+                <a:latin typeface="Courier" pitchFamily="2" charset="0"/>
+              </a:rPr>
+              <a:t> </a:t>
+            </a:r>
+            <a:r>
+              <a:rPr lang="en" altLang="zh-CN" sz="2000">
+                <a:solidFill>
+                  <a:srgbClr val="0000FF"/>
+                </a:solidFill>
+                <a:latin typeface="Courier" pitchFamily="2" charset="0"/>
+              </a:rPr>
+              <a:t>char8_</a:t>
+            </a:r>
+            <a:r>
               <a:rPr lang="en" altLang="zh-CN" sz="2000" dirty="0">
                 <a:solidFill>
                   <a:srgbClr val="0000FF"/>
                 </a:solidFill>
                 <a:latin typeface="Courier" pitchFamily="2" charset="0"/>
               </a:rPr>
-              <a:t>const</a:t>
+              <a:t>t</a:t>
             </a:r>
             <a:r>
               <a:rPr lang="en" altLang="zh-CN" sz="2000" dirty="0">
                 <a:latin typeface="Courier" pitchFamily="2" charset="0"/>
               </a:rPr>
-              <a:t> </a:t>
+              <a:t> s2[] </a:t>
             </a:r>
             <a:r>
               <a:rPr lang="en" altLang="zh-CN" sz="2000" dirty="0">
                 <a:solidFill>
-                  <a:srgbClr val="0000FF"/>
+                  <a:srgbClr val="000080"/>
                 </a:solidFill>
                 <a:latin typeface="Courier" pitchFamily="2" charset="0"/>
               </a:rPr>
-              <a:t>char16_t</a:t>
-            </a:r>
-            <a:r>
-              <a:rPr lang="en" altLang="zh-CN" sz="2000" dirty="0">
-                <a:solidFill>
-                  <a:srgbClr val="008000"/>
-                </a:solidFill>
-                <a:latin typeface="Courier" pitchFamily="2" charset="0"/>
-              </a:rPr>
-              <a:t>[]</a:t>
+              <a:t>=</a:t>
             </a:r>
             <a:r>
               <a:rPr lang="en" altLang="zh-CN" sz="2000" dirty="0">
                 <a:latin typeface="Courier" pitchFamily="2" charset="0"/>
               </a:rPr>
-              <a:t> s9 </a:t>
+              <a:t> u8</a:t>
             </a:r>
             <a:r>
               <a:rPr lang="en" altLang="zh-CN" sz="2000" dirty="0">
                 <a:solidFill>
-                  <a:srgbClr val="000080"/>
+                  <a:srgbClr val="008000"/>
                 </a:solidFill>
                 <a:latin typeface="Courier" pitchFamily="2" charset="0"/>
               </a:rPr>
-              <a:t>=</a:t>
+              <a:t>"ABCD"</a:t>
+            </a:r>
+            <a:r>
+              <a:rPr lang="en" altLang="zh-CN" sz="2000" dirty="0">
+                <a:solidFill>
+                  <a:srgbClr val="008080"/>
+                </a:solidFill>
+                <a:latin typeface="Courier" pitchFamily="2" charset="0"/>
+              </a:rPr>
+              <a:t>;</a:t>
             </a:r>
             <a:r>
               <a:rPr lang="en" altLang="zh-CN" sz="2000" dirty="0">
@@ -5940,52 +5964,13 @@
               <a:t> </a:t>
             </a:r>
             <a:r>
-              <a:rPr lang="en" altLang="zh-CN" sz="2000" dirty="0" err="1">
+              <a:rPr lang="en" altLang="zh-CN" sz="2000" dirty="0">
+                <a:solidFill>
+                  <a:srgbClr val="008000"/>
+                </a:solidFill>
                 <a:latin typeface="Courier" pitchFamily="2" charset="0"/>
               </a:rPr>
-              <a:t>u</a:t>
-            </a:r>
-            <a:r>
-              <a:rPr lang="en" altLang="zh-CN" sz="2000" dirty="0" err="1">
-                <a:solidFill>
-                  <a:srgbClr val="008000"/>
-                </a:solidFill>
-                <a:latin typeface="Courier" pitchFamily="2" charset="0"/>
-              </a:rPr>
-              <a:t>”ABCD</a:t>
-            </a:r>
-            <a:r>
-              <a:rPr lang="en" altLang="zh-CN" sz="2000" dirty="0">
-                <a:solidFill>
-                  <a:srgbClr val="008000"/>
-                </a:solidFill>
-                <a:latin typeface="Courier" pitchFamily="2" charset="0"/>
-              </a:rPr>
-              <a:t>"</a:t>
-            </a:r>
-            <a:r>
-              <a:rPr lang="en" altLang="zh-CN" sz="2000" dirty="0">
-                <a:solidFill>
-                  <a:srgbClr val="008080"/>
-                </a:solidFill>
-                <a:latin typeface="Courier" pitchFamily="2" charset="0"/>
-              </a:rPr>
-              <a:t>;</a:t>
-            </a:r>
-            <a:r>
-              <a:rPr lang="en" altLang="zh-CN" sz="2000" dirty="0">
-                <a:latin typeface="Courier" pitchFamily="2" charset="0"/>
-              </a:rPr>
-              <a:t> </a:t>
-            </a:r>
-            <a:r>
-              <a:rPr lang="en" altLang="zh-CN" sz="2000" dirty="0">
-                <a:solidFill>
-                  <a:srgbClr val="008000"/>
-                </a:solidFill>
-                <a:latin typeface="Courier" pitchFamily="2" charset="0"/>
-              </a:rPr>
-              <a:t>//since C++11</a:t>
+              <a:t>//since C++20</a:t>
             </a:r>
             <a:endParaRPr lang="en" altLang="zh-CN" sz="2000" dirty="0">
               <a:latin typeface="Courier" pitchFamily="2" charset="0"/>
@@ -6017,22 +6002,13 @@
                 </a:solidFill>
                 <a:latin typeface="Courier" pitchFamily="2" charset="0"/>
               </a:rPr>
-              <a:t>char32_t</a:t>
-            </a:r>
-            <a:r>
-              <a:rPr lang="en" altLang="zh-CN" sz="2000" dirty="0">
-                <a:solidFill>
-                  <a:srgbClr val="008000"/>
-                </a:solidFill>
-                <a:latin typeface="Courier" pitchFamily="2" charset="0"/>
-              </a:rPr>
-              <a:t>[]</a:t>
+              <a:t>char16_t</a:t>
             </a:r>
             <a:r>
               <a:rPr lang="en" altLang="zh-CN" sz="2000" dirty="0">
                 <a:latin typeface="Courier" pitchFamily="2" charset="0"/>
               </a:rPr>
-              <a:t> s6 </a:t>
+              <a:t> s3[] </a:t>
             </a:r>
             <a:r>
               <a:rPr lang="en" altLang="zh-CN" sz="2000" dirty="0">
@@ -6047,6 +6023,107 @@
               <a:rPr lang="en" altLang="zh-CN" sz="2000" dirty="0">
                 <a:latin typeface="Courier" pitchFamily="2" charset="0"/>
               </a:rPr>
+              <a:t> </a:t>
+            </a:r>
+            <a:r>
+              <a:rPr lang="en" altLang="zh-CN" sz="2000" dirty="0" err="1">
+                <a:latin typeface="Courier" pitchFamily="2" charset="0"/>
+              </a:rPr>
+              <a:t>u</a:t>
+            </a:r>
+            <a:r>
+              <a:rPr lang="en" altLang="zh-CN" sz="2000" dirty="0" err="1">
+                <a:solidFill>
+                  <a:srgbClr val="008000"/>
+                </a:solidFill>
+                <a:latin typeface="Courier" pitchFamily="2" charset="0"/>
+              </a:rPr>
+              <a:t>"ABCD</a:t>
+            </a:r>
+            <a:r>
+              <a:rPr lang="en" altLang="zh-CN" sz="2000" dirty="0">
+                <a:solidFill>
+                  <a:srgbClr val="008000"/>
+                </a:solidFill>
+                <a:latin typeface="Courier" pitchFamily="2" charset="0"/>
+              </a:rPr>
+              <a:t>"</a:t>
+            </a:r>
+            <a:r>
+              <a:rPr lang="en" altLang="zh-CN" sz="2000" dirty="0">
+                <a:solidFill>
+                  <a:srgbClr val="008080"/>
+                </a:solidFill>
+                <a:latin typeface="Courier" pitchFamily="2" charset="0"/>
+              </a:rPr>
+              <a:t>;</a:t>
+            </a:r>
+            <a:r>
+              <a:rPr lang="en" altLang="zh-CN" sz="2000" dirty="0">
+                <a:latin typeface="Courier" pitchFamily="2" charset="0"/>
+              </a:rPr>
+              <a:t> </a:t>
+            </a:r>
+            <a:r>
+              <a:rPr lang="en" altLang="zh-CN" sz="2000" dirty="0">
+                <a:solidFill>
+                  <a:srgbClr val="008000"/>
+                </a:solidFill>
+                <a:latin typeface="Courier" pitchFamily="2" charset="0"/>
+              </a:rPr>
+              <a:t>//since C++11</a:t>
+            </a:r>
+            <a:endParaRPr lang="en" altLang="zh-CN" sz="2000" dirty="0">
+              <a:latin typeface="Courier" pitchFamily="2" charset="0"/>
+            </a:endParaRPr>
+          </a:p>
+          <a:p>
+            <a:pPr marL="0" indent="0">
+              <a:buNone/>
+            </a:pPr>
+            <a:r>
+              <a:rPr lang="en" altLang="zh-CN" sz="2000" dirty="0">
+                <a:solidFill>
+                  <a:srgbClr val="0000FF"/>
+                </a:solidFill>
+                <a:latin typeface="Courier" pitchFamily="2" charset="0"/>
+              </a:rPr>
+              <a:t>const</a:t>
+            </a:r>
+            <a:r>
+              <a:rPr lang="en" altLang="zh-CN" sz="2000" dirty="0">
+                <a:latin typeface="Courier" pitchFamily="2" charset="0"/>
+              </a:rPr>
+              <a:t> </a:t>
+            </a:r>
+            <a:r>
+              <a:rPr lang="en" altLang="zh-CN" sz="2000" dirty="0">
+                <a:solidFill>
+                  <a:srgbClr val="0000FF"/>
+                </a:solidFill>
+                <a:latin typeface="Courier" pitchFamily="2" charset="0"/>
+              </a:rPr>
+              <a:t>char32_t</a:t>
+            </a:r>
+            <a:r>
+              <a:rPr lang="en" altLang="zh-CN" sz="2000" dirty="0">
+                <a:latin typeface="Courier" pitchFamily="2" charset="0"/>
+              </a:rPr>
+              <a:t> s4[] </a:t>
+            </a:r>
+            <a:r>
+              <a:rPr lang="en" altLang="zh-CN" sz="2000" dirty="0">
+                <a:solidFill>
+                  <a:srgbClr val="000080"/>
+                </a:solidFill>
+                <a:latin typeface="Courier" pitchFamily="2" charset="0"/>
+              </a:rPr>
+              <a:t>=</a:t>
+            </a:r>
+            <a:r>
+              <a:rPr lang="en" altLang="zh-CN" sz="2000" dirty="0">
+                <a:latin typeface="Courier" pitchFamily="2" charset="0"/>
+              </a:rPr>
               <a:t> U</a:t>
             </a:r>
             <a:r>
@@ -6056,7 +6133,7 @@
                 </a:solidFill>
                 <a:latin typeface="Courier" pitchFamily="2" charset="0"/>
               </a:rPr>
-              <a:t>”ABCD"</a:t>
+              <a:t>"ABCD"</a:t>
             </a:r>
             <a:r>
               <a:rPr lang="en" altLang="zh-CN" sz="2000" dirty="0">
@@ -6827,7 +6904,7 @@
                                         <p:tgtEl>
                                           <p:spTgt spid="3">
                                             <p:txEl>
-                                              <p:pRg st="10" end="10"/>
+                                              <p:pRg st="11" end="11"/>
                                             </p:txEl>
                                           </p:spTgt>
                                         </p:tgtEl>
@@ -6858,7 +6935,38 @@
                                         <p:tgtEl>
                                           <p:spTgt spid="3">
                                             <p:txEl>
-                                              <p:pRg st="11" end="11"/>
+                                              <p:pRg st="10" end="10"/>
+                                            </p:txEl>
+                                          </p:spTgt>
+                                        </p:tgtEl>
+                                        <p:attrNameLst>
+                                          <p:attrName>style.visibility</p:attrName>
+                                        </p:attrNameLst>
+                                      </p:cBhvr>
+                                      <p:to>
+                                        <p:strVal val="visible"/>
+                                      </p:to>
+                                    </p:set>
+                                  </p:childTnLst>
+                                </p:cTn>
+                              </p:par>
+                              <p:par>
+                                <p:cTn id="15" presetID="1" presetClass="entr" presetSubtype="0" fill="hold" nodeType="withEffect">
+                                  <p:stCondLst>
+                                    <p:cond delay="0"/>
+                                  </p:stCondLst>
+                                  <p:childTnLst>
+                                    <p:set>
+                                      <p:cBhvr>
+                                        <p:cTn id="16" dur="1" fill="hold">
+                                          <p:stCondLst>
+                                            <p:cond delay="0"/>
+                                          </p:stCondLst>
+                                        </p:cTn>
+                                        <p:tgtEl>
+                                          <p:spTgt spid="3">
+                                            <p:txEl>
+                                              <p:pRg st="12" end="12"/>
                                             </p:txEl>
                                           </p:spTgt>
                                         </p:tgtEl>

--- a/week04/Lecture04.pptx
+++ b/week04/Lecture04.pptx
@@ -219,7 +219,7 @@
           <a:p>
             <a:fld id="{634F3F22-B4BB-3F48-9180-464A9F2D66D1}" type="datetimeFigureOut">
               <a:rPr kumimoji="1" lang="zh-CN" altLang="en-US" smtClean="0"/>
-              <a:t>2023/8/27</a:t>
+              <a:t>2025/3/9</a:t>
             </a:fld>
             <a:endParaRPr kumimoji="1" lang="zh-CN" altLang="en-US"/>
           </a:p>
@@ -699,7 +699,7 @@
           <a:p>
             <a:fld id="{FC19A4FA-3D9A-4114-B0D5-759CBD56F1AB}" type="datetimeFigureOut">
               <a:rPr lang="zh-CN" altLang="en-US" smtClean="0"/>
-              <a:t>2023/8/27</a:t>
+              <a:t>2025/3/9</a:t>
             </a:fld>
             <a:endParaRPr lang="zh-CN" altLang="en-US"/>
           </a:p>
@@ -902,7 +902,7 @@
           <a:p>
             <a:fld id="{FC19A4FA-3D9A-4114-B0D5-759CBD56F1AB}" type="datetimeFigureOut">
               <a:rPr lang="zh-CN" altLang="en-US" smtClean="0"/>
-              <a:t>2023/8/27</a:t>
+              <a:t>2025/3/9</a:t>
             </a:fld>
             <a:endParaRPr lang="zh-CN" altLang="en-US"/>
           </a:p>
@@ -1080,7 +1080,7 @@
           <a:p>
             <a:fld id="{FC19A4FA-3D9A-4114-B0D5-759CBD56F1AB}" type="datetimeFigureOut">
               <a:rPr lang="zh-CN" altLang="en-US" smtClean="0"/>
-              <a:t>2023/8/27</a:t>
+              <a:t>2025/3/9</a:t>
             </a:fld>
             <a:endParaRPr lang="zh-CN" altLang="en-US"/>
           </a:p>
@@ -1304,7 +1304,7 @@
           <a:p>
             <a:fld id="{FC19A4FA-3D9A-4114-B0D5-759CBD56F1AB}" type="datetimeFigureOut">
               <a:rPr lang="zh-CN" altLang="en-US" smtClean="0"/>
-              <a:t>2023/8/27</a:t>
+              <a:t>2025/3/9</a:t>
             </a:fld>
             <a:endParaRPr lang="zh-CN" altLang="en-US"/>
           </a:p>
@@ -1538,7 +1538,7 @@
           <a:p>
             <a:fld id="{FC19A4FA-3D9A-4114-B0D5-759CBD56F1AB}" type="datetimeFigureOut">
               <a:rPr lang="zh-CN" altLang="en-US" smtClean="0"/>
-              <a:t>2023/8/27</a:t>
+              <a:t>2025/3/9</a:t>
             </a:fld>
             <a:endParaRPr lang="zh-CN" altLang="en-US"/>
           </a:p>
@@ -1937,7 +1937,7 @@
           <a:p>
             <a:fld id="{FC19A4FA-3D9A-4114-B0D5-759CBD56F1AB}" type="datetimeFigureOut">
               <a:rPr lang="zh-CN" altLang="en-US" smtClean="0"/>
-              <a:t>2023/8/27</a:t>
+              <a:t>2025/3/9</a:t>
             </a:fld>
             <a:endParaRPr lang="zh-CN" altLang="en-US"/>
           </a:p>
@@ -2217,7 +2217,7 @@
           <a:p>
             <a:fld id="{FC19A4FA-3D9A-4114-B0D5-759CBD56F1AB}" type="datetimeFigureOut">
               <a:rPr lang="zh-CN" altLang="en-US" smtClean="0"/>
-              <a:t>2023/8/27</a:t>
+              <a:t>2025/3/9</a:t>
             </a:fld>
             <a:endParaRPr lang="zh-CN" altLang="en-US"/>
           </a:p>
@@ -2369,7 +2369,7 @@
           <a:p>
             <a:fld id="{FC19A4FA-3D9A-4114-B0D5-759CBD56F1AB}" type="datetimeFigureOut">
               <a:rPr lang="zh-CN" altLang="en-US" smtClean="0"/>
-              <a:t>2023/8/27</a:t>
+              <a:t>2025/3/9</a:t>
             </a:fld>
             <a:endParaRPr lang="zh-CN" altLang="en-US"/>
           </a:p>
@@ -2499,7 +2499,7 @@
           <a:p>
             <a:fld id="{FC19A4FA-3D9A-4114-B0D5-759CBD56F1AB}" type="datetimeFigureOut">
               <a:rPr lang="zh-CN" altLang="en-US" smtClean="0"/>
-              <a:t>2023/8/27</a:t>
+              <a:t>2025/3/9</a:t>
             </a:fld>
             <a:endParaRPr lang="zh-CN" altLang="en-US"/>
           </a:p>
@@ -2809,7 +2809,7 @@
           <a:p>
             <a:fld id="{FC19A4FA-3D9A-4114-B0D5-759CBD56F1AB}" type="datetimeFigureOut">
               <a:rPr lang="zh-CN" altLang="en-US" smtClean="0"/>
-              <a:t>2023/8/27</a:t>
+              <a:t>2025/3/9</a:t>
             </a:fld>
             <a:endParaRPr lang="zh-CN" altLang="en-US"/>
           </a:p>
@@ -3096,7 +3096,7 @@
           <a:p>
             <a:fld id="{FC19A4FA-3D9A-4114-B0D5-759CBD56F1AB}" type="datetimeFigureOut">
               <a:rPr lang="zh-CN" altLang="en-US" smtClean="0"/>
-              <a:t>2023/8/27</a:t>
+              <a:t>2025/3/9</a:t>
             </a:fld>
             <a:endParaRPr lang="zh-CN" altLang="en-US"/>
           </a:p>
@@ -3389,7 +3389,7 @@
           <a:p>
             <a:fld id="{FC19A4FA-3D9A-4114-B0D5-759CBD56F1AB}" type="datetimeFigureOut">
               <a:rPr lang="zh-CN" altLang="en-US" smtClean="0"/>
-              <a:t>2023/8/27</a:t>
+              <a:t>2025/3/9</a:t>
             </a:fld>
             <a:endParaRPr lang="zh-CN" altLang="en-US"/>
           </a:p>
@@ -3820,7 +3820,7 @@
               <a:rPr lang="en-US" altLang="zh-CN" b="1" dirty="0">
                 <a:latin typeface="Franklin Gothic Demi" panose="020B0703020102020204" pitchFamily="34" charset="0"/>
               </a:rPr>
-              <a:t>C/C++</a:t>
+              <a:t>Advanced</a:t>
             </a:r>
             <a:r>
               <a:rPr lang="zh-CN" altLang="en-US" b="1" dirty="0">
@@ -3832,7 +3832,7 @@
               <a:rPr lang="en-US" altLang="zh-CN" b="1" dirty="0">
                 <a:latin typeface="Franklin Gothic Demi" panose="020B0703020102020204" pitchFamily="34" charset="0"/>
               </a:rPr>
-              <a:t>Program Design</a:t>
+              <a:t>Programming</a:t>
             </a:r>
             <a:endParaRPr lang="zh-CN" altLang="en-US" b="1" dirty="0">
               <a:latin typeface="Franklin Gothic Demi" panose="020B0703020102020204" pitchFamily="34" charset="0"/>
@@ -3861,14 +3861,6 @@
             <a:normAutofit/>
           </a:bodyPr>
           <a:lstStyle/>
-          <a:p>
-            <a:r>
-              <a:rPr lang="en-US" altLang="zh-CN" sz="3600" dirty="0">
-                <a:latin typeface="Franklin Gothic Medium" panose="020B0603020102020204" pitchFamily="34" charset="0"/>
-              </a:rPr>
-              <a:t>CS205</a:t>
-            </a:r>
-          </a:p>
           <a:p>
             <a:endParaRPr lang="en-US" altLang="zh-CN" dirty="0">
               <a:latin typeface="Franklin Gothic Medium" panose="020B0603020102020204" pitchFamily="34" charset="0"/>
